--- a/E-Genetics/presentations/Genetics.pptx
+++ b/E-Genetics/presentations/Genetics.pptx
@@ -6,9 +6,19 @@
   </p:sldMasterIdLst>
   <p:sldIdLst>
     <p:sldId id="256" r:id="rId2"/>
-    <p:sldId id="257" r:id="rId3"/>
-    <p:sldId id="258" r:id="rId4"/>
-    <p:sldId id="259" r:id="rId5"/>
+    <p:sldId id="268" r:id="rId3"/>
+    <p:sldId id="257" r:id="rId4"/>
+    <p:sldId id="269" r:id="rId5"/>
+    <p:sldId id="260" r:id="rId6"/>
+    <p:sldId id="261" r:id="rId7"/>
+    <p:sldId id="258" r:id="rId8"/>
+    <p:sldId id="262" r:id="rId9"/>
+    <p:sldId id="263" r:id="rId10"/>
+    <p:sldId id="264" r:id="rId11"/>
+    <p:sldId id="265" r:id="rId12"/>
+    <p:sldId id="266" r:id="rId13"/>
+    <p:sldId id="267" r:id="rId14"/>
+    <p:sldId id="259" r:id="rId15"/>
   </p:sldIdLst>
   <p:sldSz cx="12192000" cy="6858000"/>
   <p:notesSz cx="6858000" cy="9144000"/>
@@ -107,6 +117,11 @@
       </a:defRPr>
     </a:lvl9pPr>
   </p:defaultTextStyle>
+  <p:extLst>
+    <p:ext uri="{EFAFB233-063F-42B5-8137-9DF3F51BA10A}">
+      <p15:sldGuideLst xmlns:p15="http://schemas.microsoft.com/office/powerpoint/2012/main"/>
+    </p:ext>
+  </p:extLst>
 </p:presentation>
 </file>
 
@@ -243,7 +258,7 @@
           <a:p>
             <a:fld id="{4E2E0085-2AE4-4303-959E-BF05B8E8AD22}" type="datetimeFigureOut">
               <a:rPr lang="en-US" smtClean="0"/>
-              <a:t>1/4/2022</a:t>
+              <a:t>1/7/2022</a:t>
             </a:fld>
             <a:endParaRPr lang="en-US"/>
           </a:p>
@@ -530,7 +545,7 @@
           <a:p>
             <a:fld id="{4E2E0085-2AE4-4303-959E-BF05B8E8AD22}" type="datetimeFigureOut">
               <a:rPr lang="en-US" smtClean="0"/>
-              <a:t>1/4/2022</a:t>
+              <a:t>1/7/2022</a:t>
             </a:fld>
             <a:endParaRPr lang="en-US"/>
           </a:p>
@@ -722,7 +737,7 @@
           <a:p>
             <a:fld id="{4E2E0085-2AE4-4303-959E-BF05B8E8AD22}" type="datetimeFigureOut">
               <a:rPr lang="en-US" smtClean="0"/>
-              <a:t>1/4/2022</a:t>
+              <a:t>1/7/2022</a:t>
             </a:fld>
             <a:endParaRPr lang="en-US"/>
           </a:p>
@@ -983,7 +998,7 @@
           <a:p>
             <a:fld id="{4E2E0085-2AE4-4303-959E-BF05B8E8AD22}" type="datetimeFigureOut">
               <a:rPr lang="en-US" smtClean="0"/>
-              <a:t>1/4/2022</a:t>
+              <a:t>1/7/2022</a:t>
             </a:fld>
             <a:endParaRPr lang="en-US"/>
           </a:p>
@@ -1407,7 +1422,7 @@
           <a:p>
             <a:fld id="{4E2E0085-2AE4-4303-959E-BF05B8E8AD22}" type="datetimeFigureOut">
               <a:rPr lang="en-US" smtClean="0"/>
-              <a:t>1/4/2022</a:t>
+              <a:t>1/7/2022</a:t>
             </a:fld>
             <a:endParaRPr lang="en-US"/>
           </a:p>
@@ -1953,7 +1968,7 @@
           <a:p>
             <a:fld id="{4E2E0085-2AE4-4303-959E-BF05B8E8AD22}" type="datetimeFigureOut">
               <a:rPr lang="en-US" smtClean="0"/>
-              <a:t>1/4/2022</a:t>
+              <a:t>1/7/2022</a:t>
             </a:fld>
             <a:endParaRPr lang="en-US"/>
           </a:p>
@@ -2793,7 +2808,7 @@
           <a:p>
             <a:fld id="{4E2E0085-2AE4-4303-959E-BF05B8E8AD22}" type="datetimeFigureOut">
               <a:rPr lang="en-US" smtClean="0"/>
-              <a:t>1/4/2022</a:t>
+              <a:t>1/7/2022</a:t>
             </a:fld>
             <a:endParaRPr lang="en-US"/>
           </a:p>
@@ -2963,7 +2978,7 @@
           <a:p>
             <a:fld id="{4E2E0085-2AE4-4303-959E-BF05B8E8AD22}" type="datetimeFigureOut">
               <a:rPr lang="en-US" smtClean="0"/>
-              <a:t>1/4/2022</a:t>
+              <a:t>1/7/2022</a:t>
             </a:fld>
             <a:endParaRPr lang="en-US"/>
           </a:p>
@@ -3147,7 +3162,7 @@
           <a:p>
             <a:fld id="{4E2E0085-2AE4-4303-959E-BF05B8E8AD22}" type="datetimeFigureOut">
               <a:rPr lang="en-US" smtClean="0"/>
-              <a:t>1/4/2022</a:t>
+              <a:t>1/7/2022</a:t>
             </a:fld>
             <a:endParaRPr lang="en-US"/>
           </a:p>
@@ -3317,7 +3332,7 @@
           <a:p>
             <a:fld id="{4E2E0085-2AE4-4303-959E-BF05B8E8AD22}" type="datetimeFigureOut">
               <a:rPr lang="en-US" smtClean="0"/>
-              <a:t>1/4/2022</a:t>
+              <a:t>1/7/2022</a:t>
             </a:fld>
             <a:endParaRPr lang="en-US"/>
           </a:p>
@@ -3565,7 +3580,7 @@
           <a:p>
             <a:fld id="{4E2E0085-2AE4-4303-959E-BF05B8E8AD22}" type="datetimeFigureOut">
               <a:rPr lang="en-US" smtClean="0"/>
-              <a:t>1/4/2022</a:t>
+              <a:t>1/7/2022</a:t>
             </a:fld>
             <a:endParaRPr lang="en-US"/>
           </a:p>
@@ -3802,7 +3817,7 @@
           <a:p>
             <a:fld id="{4E2E0085-2AE4-4303-959E-BF05B8E8AD22}" type="datetimeFigureOut">
               <a:rPr lang="en-US" smtClean="0"/>
-              <a:t>1/4/2022</a:t>
+              <a:t>1/7/2022</a:t>
             </a:fld>
             <a:endParaRPr lang="en-US"/>
           </a:p>
@@ -4175,7 +4190,7 @@
           <a:p>
             <a:fld id="{4E2E0085-2AE4-4303-959E-BF05B8E8AD22}" type="datetimeFigureOut">
               <a:rPr lang="en-US" smtClean="0"/>
-              <a:t>1/4/2022</a:t>
+              <a:t>1/7/2022</a:t>
             </a:fld>
             <a:endParaRPr lang="en-US"/>
           </a:p>
@@ -4293,7 +4308,7 @@
           <a:p>
             <a:fld id="{4E2E0085-2AE4-4303-959E-BF05B8E8AD22}" type="datetimeFigureOut">
               <a:rPr lang="en-US" smtClean="0"/>
-              <a:t>1/4/2022</a:t>
+              <a:t>1/7/2022</a:t>
             </a:fld>
             <a:endParaRPr lang="en-US"/>
           </a:p>
@@ -4388,7 +4403,7 @@
           <a:p>
             <a:fld id="{4E2E0085-2AE4-4303-959E-BF05B8E8AD22}" type="datetimeFigureOut">
               <a:rPr lang="en-US" smtClean="0"/>
-              <a:t>1/4/2022</a:t>
+              <a:t>1/7/2022</a:t>
             </a:fld>
             <a:endParaRPr lang="en-US"/>
           </a:p>
@@ -4639,7 +4654,7 @@
           <a:p>
             <a:fld id="{4E2E0085-2AE4-4303-959E-BF05B8E8AD22}" type="datetimeFigureOut">
               <a:rPr lang="en-US" smtClean="0"/>
-              <a:t>1/4/2022</a:t>
+              <a:t>1/7/2022</a:t>
             </a:fld>
             <a:endParaRPr lang="en-US"/>
           </a:p>
@@ -4926,7 +4941,7 @@
           <a:p>
             <a:fld id="{4E2E0085-2AE4-4303-959E-BF05B8E8AD22}" type="datetimeFigureOut">
               <a:rPr lang="en-US" smtClean="0"/>
-              <a:t>1/4/2022</a:t>
+              <a:t>1/7/2022</a:t>
             </a:fld>
             <a:endParaRPr lang="en-US"/>
           </a:p>
@@ -5139,7 +5154,7 @@
           <a:p>
             <a:fld id="{4E2E0085-2AE4-4303-959E-BF05B8E8AD22}" type="datetimeFigureOut">
               <a:rPr lang="en-US" smtClean="0"/>
-              <a:t>1/4/2022</a:t>
+              <a:t>1/7/2022</a:t>
             </a:fld>
             <a:endParaRPr lang="en-US"/>
           </a:p>
@@ -5698,7 +5713,7 @@
 </p:sld>
 </file>
 
-<file path=ppt/slides/slide2.xml><?xml version="1.0" encoding="utf-8"?>
+<file path=ppt/slides/slide10.xml><?xml version="1.0" encoding="utf-8"?>
 <p:sld xmlns:a="http://schemas.openxmlformats.org/drawingml/2006/main" xmlns:r="http://schemas.openxmlformats.org/officeDocument/2006/relationships" xmlns:p="http://schemas.openxmlformats.org/presentationml/2006/main">
   <p:cSld>
     <p:spTree>
@@ -5733,7 +5748,7 @@
             <a:pPr algn="l"/>
             <a:r>
               <a:rPr lang="en-US" dirty="0" smtClean="0"/>
-              <a:t>Problem we are solving</a:t>
+              <a:t>Non functional requirements</a:t>
             </a:r>
             <a:endParaRPr lang="en-US" dirty="0"/>
           </a:p>
@@ -5754,30 +5769,14 @@
           <a:bodyPr/>
           <a:lstStyle/>
           <a:p>
-            <a:r>
-              <a:rPr lang="en-US" dirty="0" smtClean="0"/>
-              <a:t>Some parents suffer from the process of paternity testing when they are being sued for child custody.</a:t>
-            </a:r>
-          </a:p>
-          <a:p>
-            <a:r>
-              <a:rPr lang="en-US" dirty="0" smtClean="0"/>
-              <a:t>A lot of time when a crime happens, some DNA would be left at the crime scene and would take some time to be processed and eventually lead us to the one who committed that crime.</a:t>
-            </a:r>
-          </a:p>
-          <a:p>
-            <a:r>
-              <a:rPr lang="en-US" dirty="0" smtClean="0"/>
-              <a:t>Why can’t we have a system that could potentially prove this in less time and be accessible to everyone.</a:t>
-            </a:r>
-            <a:endParaRPr lang="en-US" dirty="0"/>
+            <a:endParaRPr lang="en-US"/>
           </a:p>
         </p:txBody>
       </p:sp>
     </p:spTree>
     <p:extLst>
       <p:ext uri="{BB962C8B-B14F-4D97-AF65-F5344CB8AC3E}">
-        <p14:creationId xmlns:p14="http://schemas.microsoft.com/office/powerpoint/2010/main" val="2783958004"/>
+        <p14:creationId xmlns:p14="http://schemas.microsoft.com/office/powerpoint/2010/main" val="1911636297"/>
       </p:ext>
     </p:extLst>
   </p:cSld>
@@ -5794,7 +5793,7 @@
 </p:sld>
 </file>
 
-<file path=ppt/slides/slide3.xml><?xml version="1.0" encoding="utf-8"?>
+<file path=ppt/slides/slide11.xml><?xml version="1.0" encoding="utf-8"?>
 <p:sld xmlns:a="http://schemas.openxmlformats.org/drawingml/2006/main" xmlns:r="http://schemas.openxmlformats.org/officeDocument/2006/relationships" xmlns:p="http://schemas.openxmlformats.org/presentationml/2006/main">
   <p:cSld>
     <p:spTree>
@@ -5829,143 +5828,39 @@
             <a:pPr algn="l"/>
             <a:r>
               <a:rPr lang="en-US" dirty="0" smtClean="0"/>
-              <a:t>System overview</a:t>
+              <a:t>Class </a:t>
+            </a:r>
+            <a:r>
+              <a:rPr lang="en-US" dirty="0" smtClean="0"/>
+              <a:t>diagrams</a:t>
             </a:r>
             <a:endParaRPr lang="en-US" dirty="0"/>
           </a:p>
         </p:txBody>
       </p:sp>
-      <p:pic>
-        <p:nvPicPr>
-          <p:cNvPr id="6" name="Content Placeholder 5"/>
-          <p:cNvPicPr>
-            <a:picLocks noGrp="1" noChangeAspect="1"/>
-          </p:cNvPicPr>
+      <p:sp>
+        <p:nvSpPr>
+          <p:cNvPr id="3" name="Content Placeholder 2"/>
+          <p:cNvSpPr>
+            <a:spLocks noGrp="1"/>
+          </p:cNvSpPr>
           <p:nvPr>
             <p:ph idx="1"/>
           </p:nvPr>
-        </p:nvPicPr>
-        <p:blipFill>
-          <a:blip r:embed="rId2">
-            <a:extLst>
-              <a:ext uri="{28A0092B-C50C-407E-A947-70E740481C1C}">
-                <a14:useLocalDpi xmlns:a14="http://schemas.microsoft.com/office/drawing/2010/main" val="0"/>
-              </a:ext>
-            </a:extLst>
-          </a:blip>
-          <a:stretch>
-            <a:fillRect/>
-          </a:stretch>
-        </p:blipFill>
-        <p:spPr>
-          <a:xfrm>
-            <a:off x="7027817" y="1805292"/>
-            <a:ext cx="3884612" cy="3695700"/>
-          </a:xfrm>
-          <a:prstGeom prst="roundRect">
-            <a:avLst>
-              <a:gd name="adj" fmla="val 8594"/>
-            </a:avLst>
-          </a:prstGeom>
-          <a:solidFill>
-            <a:srgbClr val="FFFFFF">
-              <a:shade val="85000"/>
-            </a:srgbClr>
-          </a:solidFill>
-          <a:ln>
-            <a:noFill/>
-          </a:ln>
-          <a:effectLst>
-            <a:reflection blurRad="12700" stA="38000" endPos="28000" dist="5000" dir="5400000" sy="-100000" algn="bl" rotWithShape="0"/>
-          </a:effectLst>
-        </p:spPr>
-      </p:pic>
-      <p:sp>
-        <p:nvSpPr>
-          <p:cNvPr id="7" name="TextBox 6"/>
-          <p:cNvSpPr txBox="1"/>
-          <p:nvPr/>
-        </p:nvSpPr>
-        <p:spPr>
-          <a:xfrm>
-            <a:off x="891658" y="2221981"/>
-            <a:ext cx="5199017" cy="3447098"/>
-          </a:xfrm>
-          <a:prstGeom prst="rect">
-            <a:avLst/>
-          </a:prstGeom>
-          <a:noFill/>
-        </p:spPr>
-        <p:txBody>
-          <a:bodyPr wrap="square" rtlCol="0">
-            <a:spAutoFit/>
-          </a:bodyPr>
-          <a:lstStyle/>
-          <a:p>
-            <a:pPr marL="285750" indent="-285750">
-              <a:buFont typeface="Arial" panose="020B0604020202020204" pitchFamily="34" charset="0"/>
-              <a:buChar char="•"/>
-            </a:pPr>
-            <a:r>
-              <a:rPr lang="en-US" sz="2000" dirty="0" smtClean="0"/>
-              <a:t>Our system compares every allele in every child with the alleles in both parents in the same </a:t>
-            </a:r>
-            <a:r>
-              <a:rPr lang="en-US" sz="2000" dirty="0" err="1" smtClean="0"/>
-              <a:t>rs</a:t>
-            </a:r>
-            <a:r>
-              <a:rPr lang="en-US" sz="2000" dirty="0" smtClean="0"/>
-              <a:t> number.</a:t>
-            </a:r>
-          </a:p>
-          <a:p>
-            <a:pPr marL="285750" indent="-285750">
-              <a:buFont typeface="Arial" panose="020B0604020202020204" pitchFamily="34" charset="0"/>
-              <a:buChar char="•"/>
-            </a:pPr>
-            <a:endParaRPr lang="en-US" sz="2000" dirty="0"/>
-          </a:p>
-          <a:p>
-            <a:pPr marL="285750" indent="-285750">
-              <a:buFont typeface="Arial" panose="020B0604020202020204" pitchFamily="34" charset="0"/>
-              <a:buChar char="•"/>
-            </a:pPr>
-            <a:r>
-              <a:rPr lang="en-US" sz="2000" dirty="0" smtClean="0"/>
-              <a:t>Our system can detect whether or not that’s there child or not.</a:t>
-            </a:r>
-          </a:p>
-          <a:p>
-            <a:pPr marL="285750" indent="-285750">
-              <a:buFont typeface="Arial" panose="020B0604020202020204" pitchFamily="34" charset="0"/>
-              <a:buChar char="•"/>
-            </a:pPr>
-            <a:endParaRPr lang="en-US" sz="2000" dirty="0"/>
-          </a:p>
-          <a:p>
-            <a:pPr marL="285750" indent="-285750">
-              <a:buFont typeface="Arial" panose="020B0604020202020204" pitchFamily="34" charset="0"/>
-              <a:buChar char="•"/>
-            </a:pPr>
-            <a:r>
-              <a:rPr lang="en-US" sz="2000" dirty="0" smtClean="0"/>
-              <a:t>We aim that the user can input their alleles and our app can tell them which gene belong to whom.</a:t>
-            </a:r>
-          </a:p>
-          <a:p>
-            <a:pPr marL="285750" indent="-285750">
-              <a:buFont typeface="Arial" panose="020B0604020202020204" pitchFamily="34" charset="0"/>
-              <a:buChar char="•"/>
-            </a:pPr>
-            <a:endParaRPr lang="en-US" dirty="0"/>
+        </p:nvSpPr>
+        <p:spPr/>
+        <p:txBody>
+          <a:bodyPr/>
+          <a:lstStyle/>
+          <a:p>
+            <a:endParaRPr lang="en-US"/>
           </a:p>
         </p:txBody>
       </p:sp>
     </p:spTree>
     <p:extLst>
       <p:ext uri="{BB962C8B-B14F-4D97-AF65-F5344CB8AC3E}">
-        <p14:creationId xmlns:p14="http://schemas.microsoft.com/office/powerpoint/2010/main" val="1627431422"/>
+        <p14:creationId xmlns:p14="http://schemas.microsoft.com/office/powerpoint/2010/main" val="4076747213"/>
       </p:ext>
     </p:extLst>
   </p:cSld>
@@ -5982,7 +5877,167 @@
 </p:sld>
 </file>
 
-<file path=ppt/slides/slide4.xml><?xml version="1.0" encoding="utf-8"?>
+<file path=ppt/slides/slide12.xml><?xml version="1.0" encoding="utf-8"?>
+<p:sld xmlns:a="http://schemas.openxmlformats.org/drawingml/2006/main" xmlns:r="http://schemas.openxmlformats.org/officeDocument/2006/relationships" xmlns:p="http://schemas.openxmlformats.org/presentationml/2006/main">
+  <p:cSld>
+    <p:spTree>
+      <p:nvGrpSpPr>
+        <p:cNvPr id="1" name=""/>
+        <p:cNvGrpSpPr/>
+        <p:nvPr/>
+      </p:nvGrpSpPr>
+      <p:grpSpPr>
+        <a:xfrm>
+          <a:off x="0" y="0"/>
+          <a:ext cx="0" cy="0"/>
+          <a:chOff x="0" y="0"/>
+          <a:chExt cx="0" cy="0"/>
+        </a:xfrm>
+      </p:grpSpPr>
+      <p:sp>
+        <p:nvSpPr>
+          <p:cNvPr id="2" name="Title 1"/>
+          <p:cNvSpPr>
+            <a:spLocks noGrp="1"/>
+          </p:cNvSpPr>
+          <p:nvPr>
+            <p:ph type="title"/>
+          </p:nvPr>
+        </p:nvSpPr>
+        <p:spPr/>
+        <p:txBody>
+          <a:bodyPr/>
+          <a:lstStyle/>
+          <a:p>
+            <a:pPr algn="l"/>
+            <a:r>
+              <a:rPr lang="en-US" dirty="0" smtClean="0"/>
+              <a:t>Data design (database &amp; dataset)</a:t>
+            </a:r>
+            <a:endParaRPr lang="en-US" dirty="0"/>
+          </a:p>
+        </p:txBody>
+      </p:sp>
+      <p:sp>
+        <p:nvSpPr>
+          <p:cNvPr id="3" name="Content Placeholder 2"/>
+          <p:cNvSpPr>
+            <a:spLocks noGrp="1"/>
+          </p:cNvSpPr>
+          <p:nvPr>
+            <p:ph idx="1"/>
+          </p:nvPr>
+        </p:nvSpPr>
+        <p:spPr/>
+        <p:txBody>
+          <a:bodyPr/>
+          <a:lstStyle/>
+          <a:p>
+            <a:endParaRPr lang="en-US"/>
+          </a:p>
+        </p:txBody>
+      </p:sp>
+    </p:spTree>
+    <p:extLst>
+      <p:ext uri="{BB962C8B-B14F-4D97-AF65-F5344CB8AC3E}">
+        <p14:creationId xmlns:p14="http://schemas.microsoft.com/office/powerpoint/2010/main" val="1924364578"/>
+      </p:ext>
+    </p:extLst>
+  </p:cSld>
+  <p:clrMapOvr>
+    <a:masterClrMapping/>
+  </p:clrMapOvr>
+  <p:timing>
+    <p:tnLst>
+      <p:par>
+        <p:cTn id="1" dur="indefinite" restart="never" nodeType="tmRoot"/>
+      </p:par>
+    </p:tnLst>
+  </p:timing>
+</p:sld>
+</file>
+
+<file path=ppt/slides/slide13.xml><?xml version="1.0" encoding="utf-8"?>
+<p:sld xmlns:a="http://schemas.openxmlformats.org/drawingml/2006/main" xmlns:r="http://schemas.openxmlformats.org/officeDocument/2006/relationships" xmlns:p="http://schemas.openxmlformats.org/presentationml/2006/main">
+  <p:cSld>
+    <p:spTree>
+      <p:nvGrpSpPr>
+        <p:cNvPr id="1" name=""/>
+        <p:cNvGrpSpPr/>
+        <p:nvPr/>
+      </p:nvGrpSpPr>
+      <p:grpSpPr>
+        <a:xfrm>
+          <a:off x="0" y="0"/>
+          <a:ext cx="0" cy="0"/>
+          <a:chOff x="0" y="0"/>
+          <a:chExt cx="0" cy="0"/>
+        </a:xfrm>
+      </p:grpSpPr>
+      <p:sp>
+        <p:nvSpPr>
+          <p:cNvPr id="2" name="Title 1"/>
+          <p:cNvSpPr>
+            <a:spLocks noGrp="1"/>
+          </p:cNvSpPr>
+          <p:nvPr>
+            <p:ph type="title"/>
+          </p:nvPr>
+        </p:nvSpPr>
+        <p:spPr/>
+        <p:txBody>
+          <a:bodyPr/>
+          <a:lstStyle/>
+          <a:p>
+            <a:pPr algn="l"/>
+            <a:r>
+              <a:rPr lang="en-US" dirty="0" smtClean="0"/>
+              <a:t>Live demo</a:t>
+            </a:r>
+            <a:endParaRPr lang="en-US" dirty="0"/>
+          </a:p>
+        </p:txBody>
+      </p:sp>
+      <p:sp>
+        <p:nvSpPr>
+          <p:cNvPr id="3" name="Content Placeholder 2"/>
+          <p:cNvSpPr>
+            <a:spLocks noGrp="1"/>
+          </p:cNvSpPr>
+          <p:nvPr>
+            <p:ph idx="1"/>
+          </p:nvPr>
+        </p:nvSpPr>
+        <p:spPr/>
+        <p:txBody>
+          <a:bodyPr/>
+          <a:lstStyle/>
+          <a:p>
+            <a:endParaRPr lang="en-US"/>
+          </a:p>
+        </p:txBody>
+      </p:sp>
+    </p:spTree>
+    <p:extLst>
+      <p:ext uri="{BB962C8B-B14F-4D97-AF65-F5344CB8AC3E}">
+        <p14:creationId xmlns:p14="http://schemas.microsoft.com/office/powerpoint/2010/main" val="2314054188"/>
+      </p:ext>
+    </p:extLst>
+  </p:cSld>
+  <p:clrMapOvr>
+    <a:masterClrMapping/>
+  </p:clrMapOvr>
+  <p:timing>
+    <p:tnLst>
+      <p:par>
+        <p:cTn id="1" dur="indefinite" restart="never" nodeType="tmRoot"/>
+      </p:par>
+    </p:tnLst>
+  </p:timing>
+</p:sld>
+</file>
+
+<file path=ppt/slides/slide14.xml><?xml version="1.0" encoding="utf-8"?>
 <p:sld xmlns:a="http://schemas.openxmlformats.org/drawingml/2006/main" xmlns:r="http://schemas.openxmlformats.org/officeDocument/2006/relationships" xmlns:p="http://schemas.openxmlformats.org/presentationml/2006/main">
   <p:cSld>
     <p:spTree>
@@ -6029,16 +6084,732 @@
           </a:prstGeom>
         </p:spPr>
       </p:pic>
+      <p:sp>
+        <p:nvSpPr>
+          <p:cNvPr id="6" name="TextBox 5"/>
+          <p:cNvSpPr txBox="1"/>
+          <p:nvPr/>
+        </p:nvSpPr>
+        <p:spPr>
+          <a:xfrm>
+            <a:off x="6096000" y="1959686"/>
+            <a:ext cx="4730804" cy="615553"/>
+          </a:xfrm>
+          <a:prstGeom prst="rect">
+            <a:avLst/>
+          </a:prstGeom>
+          <a:noFill/>
+        </p:spPr>
+        <p:txBody>
+          <a:bodyPr wrap="square" rtlCol="0">
+            <a:spAutoFit/>
+          </a:bodyPr>
+          <a:lstStyle/>
+          <a:p>
+            <a:r>
+              <a:rPr lang="en-US" sz="3400" b="1" dirty="0" smtClean="0">
+                <a:effectLst>
+                  <a:outerShdw blurRad="38100" dist="38100" dir="2700000" algn="tl">
+                    <a:srgbClr val="000000">
+                      <a:alpha val="43137"/>
+                    </a:srgbClr>
+                  </a:outerShdw>
+                </a:effectLst>
+              </a:rPr>
+              <a:t>ANY QUESTIONS ? </a:t>
+            </a:r>
+            <a:r>
+              <a:rPr lang="en-US" sz="3400" b="1" dirty="0" smtClean="0">
+                <a:effectLst>
+                  <a:outerShdw blurRad="38100" dist="38100" dir="2700000" algn="tl">
+                    <a:srgbClr val="000000">
+                      <a:alpha val="43137"/>
+                    </a:srgbClr>
+                  </a:outerShdw>
+                </a:effectLst>
+                <a:sym typeface="Wingdings" panose="05000000000000000000" pitchFamily="2" charset="2"/>
+              </a:rPr>
+              <a:t></a:t>
+            </a:r>
+            <a:endParaRPr lang="en-US" sz="3400" b="1" dirty="0">
+              <a:effectLst>
+                <a:outerShdw blurRad="38100" dist="38100" dir="2700000" algn="tl">
+                  <a:srgbClr val="000000">
+                    <a:alpha val="43137"/>
+                  </a:srgbClr>
+                </a:outerShdw>
+              </a:effectLst>
+            </a:endParaRPr>
+          </a:p>
+        </p:txBody>
+      </p:sp>
+    </p:spTree>
+    <p:extLst>
+      <p:ext uri="{BB962C8B-B14F-4D97-AF65-F5344CB8AC3E}">
+        <p14:creationId xmlns:p14="http://schemas.microsoft.com/office/powerpoint/2010/main" val="246240328"/>
+      </p:ext>
+    </p:extLst>
+  </p:cSld>
+  <p:clrMapOvr>
+    <a:masterClrMapping/>
+  </p:clrMapOvr>
+  <p:timing>
+    <p:tnLst>
+      <p:par>
+        <p:cTn id="1" dur="indefinite" restart="never" nodeType="tmRoot"/>
+      </p:par>
+    </p:tnLst>
+  </p:timing>
+</p:sld>
+</file>
+
+<file path=ppt/slides/slide2.xml><?xml version="1.0" encoding="utf-8"?>
+<p:sld xmlns:a="http://schemas.openxmlformats.org/drawingml/2006/main" xmlns:r="http://schemas.openxmlformats.org/officeDocument/2006/relationships" xmlns:p="http://schemas.openxmlformats.org/presentationml/2006/main">
+  <p:cSld>
+    <p:spTree>
+      <p:nvGrpSpPr>
+        <p:cNvPr id="1" name=""/>
+        <p:cNvGrpSpPr/>
+        <p:nvPr/>
+      </p:nvGrpSpPr>
+      <p:grpSpPr>
+        <a:xfrm>
+          <a:off x="0" y="0"/>
+          <a:ext cx="0" cy="0"/>
+          <a:chOff x="0" y="0"/>
+          <a:chExt cx="0" cy="0"/>
+        </a:xfrm>
+      </p:grpSpPr>
+      <p:sp>
+        <p:nvSpPr>
+          <p:cNvPr id="2" name="Title 1"/>
+          <p:cNvSpPr>
+            <a:spLocks noGrp="1"/>
+          </p:cNvSpPr>
+          <p:nvPr>
+            <p:ph type="title"/>
+          </p:nvPr>
+        </p:nvSpPr>
+        <p:spPr/>
+        <p:txBody>
+          <a:bodyPr/>
+          <a:lstStyle/>
+          <a:p>
+            <a:pPr algn="l"/>
+            <a:r>
+              <a:rPr lang="en-US" dirty="0" smtClean="0"/>
+              <a:t>AGENDA</a:t>
+            </a:r>
+            <a:endParaRPr lang="en-US" dirty="0"/>
+          </a:p>
+        </p:txBody>
+      </p:sp>
+      <p:sp>
+        <p:nvSpPr>
+          <p:cNvPr id="3" name="Content Placeholder 2"/>
+          <p:cNvSpPr>
+            <a:spLocks noGrp="1"/>
+          </p:cNvSpPr>
+          <p:nvPr>
+            <p:ph idx="1"/>
+          </p:nvPr>
+        </p:nvSpPr>
+        <p:spPr/>
+        <p:txBody>
+          <a:bodyPr>
+            <a:normAutofit fontScale="77500" lnSpcReduction="20000"/>
+          </a:bodyPr>
+          <a:lstStyle/>
+          <a:p>
+            <a:r>
+              <a:rPr lang="en-US" dirty="0" smtClean="0"/>
+              <a:t>Introduction</a:t>
+            </a:r>
+          </a:p>
+          <a:p>
+            <a:r>
+              <a:rPr lang="en-US" dirty="0" smtClean="0"/>
+              <a:t>Problem </a:t>
+            </a:r>
+            <a:r>
+              <a:rPr lang="en-US" dirty="0"/>
+              <a:t>S</a:t>
+            </a:r>
+            <a:r>
+              <a:rPr lang="en-US" dirty="0" smtClean="0"/>
+              <a:t>tatement</a:t>
+            </a:r>
+          </a:p>
+          <a:p>
+            <a:r>
+              <a:rPr lang="en-US" dirty="0" smtClean="0"/>
+              <a:t>Our Objectives</a:t>
+            </a:r>
+          </a:p>
+          <a:p>
+            <a:r>
+              <a:rPr lang="en-US" dirty="0" smtClean="0"/>
+              <a:t>System Overview</a:t>
+            </a:r>
+          </a:p>
+          <a:p>
+            <a:r>
+              <a:rPr lang="en-US" dirty="0" smtClean="0"/>
+              <a:t>Use-case Diagram</a:t>
+            </a:r>
+          </a:p>
+          <a:p>
+            <a:r>
+              <a:rPr lang="en-US" dirty="0" smtClean="0"/>
+              <a:t>Functional Requiremen</a:t>
+            </a:r>
+            <a:r>
+              <a:rPr lang="en-US" dirty="0" smtClean="0"/>
+              <a:t>ts</a:t>
+            </a:r>
+          </a:p>
+          <a:p>
+            <a:r>
+              <a:rPr lang="en-US" dirty="0" smtClean="0"/>
+              <a:t>Non-Functional Requirements</a:t>
+            </a:r>
+          </a:p>
+          <a:p>
+            <a:r>
+              <a:rPr lang="en-US" dirty="0" smtClean="0"/>
+              <a:t>Class Diagrams</a:t>
+            </a:r>
+          </a:p>
+          <a:p>
+            <a:r>
+              <a:rPr lang="en-US" dirty="0" smtClean="0"/>
+              <a:t>Data Design (Database &amp; Dataset)</a:t>
+            </a:r>
+          </a:p>
+          <a:p>
+            <a:r>
+              <a:rPr lang="en-US" dirty="0" smtClean="0"/>
+              <a:t>Live Demo</a:t>
+            </a:r>
+          </a:p>
+          <a:p>
+            <a:endParaRPr lang="en-US" dirty="0"/>
+          </a:p>
+        </p:txBody>
+      </p:sp>
+    </p:spTree>
+    <p:extLst>
+      <p:ext uri="{BB962C8B-B14F-4D97-AF65-F5344CB8AC3E}">
+        <p14:creationId xmlns:p14="http://schemas.microsoft.com/office/powerpoint/2010/main" val="1811646231"/>
+      </p:ext>
+    </p:extLst>
+  </p:cSld>
+  <p:clrMapOvr>
+    <a:masterClrMapping/>
+  </p:clrMapOvr>
+</p:sld>
+</file>
+
+<file path=ppt/slides/slide3.xml><?xml version="1.0" encoding="utf-8"?>
+<p:sld xmlns:a="http://schemas.openxmlformats.org/drawingml/2006/main" xmlns:r="http://schemas.openxmlformats.org/officeDocument/2006/relationships" xmlns:p="http://schemas.openxmlformats.org/presentationml/2006/main">
+  <p:cSld>
+    <p:spTree>
+      <p:nvGrpSpPr>
+        <p:cNvPr id="1" name=""/>
+        <p:cNvGrpSpPr/>
+        <p:nvPr/>
+      </p:nvGrpSpPr>
+      <p:grpSpPr>
+        <a:xfrm>
+          <a:off x="0" y="0"/>
+          <a:ext cx="0" cy="0"/>
+          <a:chOff x="0" y="0"/>
+          <a:chExt cx="0" cy="0"/>
+        </a:xfrm>
+      </p:grpSpPr>
+      <p:sp>
+        <p:nvSpPr>
+          <p:cNvPr id="2" name="Title 1"/>
+          <p:cNvSpPr>
+            <a:spLocks noGrp="1"/>
+          </p:cNvSpPr>
+          <p:nvPr>
+            <p:ph type="title"/>
+          </p:nvPr>
+        </p:nvSpPr>
+        <p:spPr/>
+        <p:txBody>
+          <a:bodyPr/>
+          <a:lstStyle/>
+          <a:p>
+            <a:pPr algn="l"/>
+            <a:r>
+              <a:rPr lang="en-US" dirty="0" smtClean="0"/>
+              <a:t>Introduction</a:t>
+            </a:r>
+            <a:endParaRPr lang="en-US" dirty="0"/>
+          </a:p>
+        </p:txBody>
+      </p:sp>
+      <p:sp>
+        <p:nvSpPr>
+          <p:cNvPr id="3" name="Content Placeholder 2"/>
+          <p:cNvSpPr>
+            <a:spLocks noGrp="1"/>
+          </p:cNvSpPr>
+          <p:nvPr>
+            <p:ph idx="1"/>
+          </p:nvPr>
+        </p:nvSpPr>
+        <p:spPr/>
+        <p:txBody>
+          <a:bodyPr>
+            <a:normAutofit/>
+          </a:bodyPr>
+          <a:lstStyle/>
+          <a:p>
+            <a:r>
+              <a:rPr lang="en-US" dirty="0" smtClean="0"/>
+              <a:t>What is an rsNumebr?</a:t>
+            </a:r>
+          </a:p>
+          <a:p>
+            <a:pPr marL="0" indent="0">
+              <a:buNone/>
+            </a:pPr>
+            <a:r>
+              <a:rPr lang="en-US" dirty="0"/>
+              <a:t>It is a reference number to the genotype we have that consists of two alleles (one from the father and the other from the mother</a:t>
+            </a:r>
+            <a:r>
+              <a:rPr lang="en-US" dirty="0" smtClean="0"/>
+              <a:t>).</a:t>
+            </a:r>
+          </a:p>
+          <a:p>
+            <a:pPr marL="0" indent="0">
+              <a:buNone/>
+            </a:pPr>
+            <a:r>
+              <a:rPr lang="en-US" dirty="0" smtClean="0"/>
+              <a:t>EX: </a:t>
+            </a:r>
+          </a:p>
+          <a:p>
+            <a:pPr marL="0" indent="0">
+              <a:buNone/>
+            </a:pPr>
+            <a:r>
+              <a:rPr lang="en-US" dirty="0" err="1" smtClean="0"/>
+              <a:t>RsNumber</a:t>
+            </a:r>
+            <a:r>
+              <a:rPr lang="en-US" dirty="0" smtClean="0"/>
+              <a:t> 	Genotype</a:t>
+            </a:r>
+          </a:p>
+          <a:p>
+            <a:pPr marL="0" indent="0">
+              <a:buNone/>
+            </a:pPr>
+            <a:r>
+              <a:rPr lang="en-US" dirty="0" smtClean="0"/>
+              <a:t>Rs983612	AA</a:t>
+            </a:r>
+          </a:p>
+          <a:p>
+            <a:pPr marL="0" indent="0">
+              <a:buNone/>
+            </a:pPr>
+            <a:endParaRPr lang="en-US" dirty="0" smtClean="0"/>
+          </a:p>
+          <a:p>
+            <a:pPr marL="0" indent="0">
+              <a:buNone/>
+            </a:pPr>
+            <a:endParaRPr lang="en-US" dirty="0"/>
+          </a:p>
+          <a:p>
+            <a:pPr marL="0" indent="0">
+              <a:buNone/>
+            </a:pPr>
+            <a:endParaRPr lang="en-US" dirty="0" smtClean="0"/>
+          </a:p>
+        </p:txBody>
+      </p:sp>
+    </p:spTree>
+    <p:extLst>
+      <p:ext uri="{BB962C8B-B14F-4D97-AF65-F5344CB8AC3E}">
+        <p14:creationId xmlns:p14="http://schemas.microsoft.com/office/powerpoint/2010/main" val="2783958004"/>
+      </p:ext>
+    </p:extLst>
+  </p:cSld>
+  <p:clrMapOvr>
+    <a:masterClrMapping/>
+  </p:clrMapOvr>
+  <p:timing>
+    <p:tnLst>
+      <p:par>
+        <p:cTn id="1" dur="indefinite" restart="never" nodeType="tmRoot"/>
+      </p:par>
+    </p:tnLst>
+  </p:timing>
+</p:sld>
+</file>
+
+<file path=ppt/slides/slide4.xml><?xml version="1.0" encoding="utf-8"?>
+<p:sld xmlns:a="http://schemas.openxmlformats.org/drawingml/2006/main" xmlns:r="http://schemas.openxmlformats.org/officeDocument/2006/relationships" xmlns:p="http://schemas.openxmlformats.org/presentationml/2006/main">
+  <p:cSld>
+    <p:spTree>
+      <p:nvGrpSpPr>
+        <p:cNvPr id="1" name=""/>
+        <p:cNvGrpSpPr/>
+        <p:nvPr/>
+      </p:nvGrpSpPr>
+      <p:grpSpPr>
+        <a:xfrm>
+          <a:off x="0" y="0"/>
+          <a:ext cx="0" cy="0"/>
+          <a:chOff x="0" y="0"/>
+          <a:chExt cx="0" cy="0"/>
+        </a:xfrm>
+      </p:grpSpPr>
+      <p:sp>
+        <p:nvSpPr>
+          <p:cNvPr id="2" name="Title 1"/>
+          <p:cNvSpPr>
+            <a:spLocks noGrp="1"/>
+          </p:cNvSpPr>
+          <p:nvPr>
+            <p:ph type="title"/>
+          </p:nvPr>
+        </p:nvSpPr>
+        <p:spPr/>
+        <p:txBody>
+          <a:bodyPr/>
+          <a:lstStyle/>
+          <a:p>
+            <a:pPr algn="l"/>
+            <a:r>
+              <a:rPr lang="en-US" dirty="0" smtClean="0"/>
+              <a:t>Introduction (cont.)</a:t>
+            </a:r>
+            <a:endParaRPr lang="en-US" dirty="0"/>
+          </a:p>
+        </p:txBody>
+      </p:sp>
+      <p:sp>
+        <p:nvSpPr>
+          <p:cNvPr id="3" name="Content Placeholder 2"/>
+          <p:cNvSpPr>
+            <a:spLocks noGrp="1"/>
+          </p:cNvSpPr>
+          <p:nvPr>
+            <p:ph idx="1"/>
+          </p:nvPr>
+        </p:nvSpPr>
+        <p:spPr/>
+        <p:txBody>
+          <a:bodyPr/>
+          <a:lstStyle/>
+          <a:p>
+            <a:r>
+              <a:rPr lang="en-US" dirty="0"/>
+              <a:t>Meanings of whole genome and whole exome.</a:t>
+            </a:r>
+          </a:p>
+          <a:p>
+            <a:pPr marL="0" indent="0">
+              <a:buNone/>
+            </a:pPr>
+            <a:r>
+              <a:rPr lang="en-US" dirty="0"/>
+              <a:t>It is the whole DNA sequence that a human have in their system.</a:t>
+            </a:r>
+          </a:p>
+          <a:p>
+            <a:pPr marL="0" indent="0">
+              <a:buNone/>
+            </a:pPr>
+            <a:r>
+              <a:rPr lang="en-US" dirty="0"/>
+              <a:t>It is a part of the whole genome and makes up only 1.5% of it and it may reveal information about family relationships (ex: paternity test)</a:t>
+            </a:r>
+          </a:p>
+          <a:p>
+            <a:endParaRPr lang="en-US" dirty="0"/>
+          </a:p>
+        </p:txBody>
+      </p:sp>
+    </p:spTree>
+    <p:extLst>
+      <p:ext uri="{BB962C8B-B14F-4D97-AF65-F5344CB8AC3E}">
+        <p14:creationId xmlns:p14="http://schemas.microsoft.com/office/powerpoint/2010/main" val="3527612960"/>
+      </p:ext>
+    </p:extLst>
+  </p:cSld>
+  <p:clrMapOvr>
+    <a:masterClrMapping/>
+  </p:clrMapOvr>
+</p:sld>
+</file>
+
+<file path=ppt/slides/slide5.xml><?xml version="1.0" encoding="utf-8"?>
+<p:sld xmlns:a="http://schemas.openxmlformats.org/drawingml/2006/main" xmlns:r="http://schemas.openxmlformats.org/officeDocument/2006/relationships" xmlns:p="http://schemas.openxmlformats.org/presentationml/2006/main">
+  <p:cSld>
+    <p:spTree>
+      <p:nvGrpSpPr>
+        <p:cNvPr id="1" name=""/>
+        <p:cNvGrpSpPr/>
+        <p:nvPr/>
+      </p:nvGrpSpPr>
+      <p:grpSpPr>
+        <a:xfrm>
+          <a:off x="0" y="0"/>
+          <a:ext cx="0" cy="0"/>
+          <a:chOff x="0" y="0"/>
+          <a:chExt cx="0" cy="0"/>
+        </a:xfrm>
+      </p:grpSpPr>
+      <p:sp>
+        <p:nvSpPr>
+          <p:cNvPr id="2" name="Title 1"/>
+          <p:cNvSpPr>
+            <a:spLocks noGrp="1"/>
+          </p:cNvSpPr>
+          <p:nvPr>
+            <p:ph type="title"/>
+          </p:nvPr>
+        </p:nvSpPr>
+        <p:spPr/>
+        <p:txBody>
+          <a:bodyPr/>
+          <a:lstStyle/>
+          <a:p>
+            <a:pPr algn="l"/>
+            <a:r>
+              <a:rPr lang="en-US" dirty="0" smtClean="0"/>
+              <a:t>Problem Statement</a:t>
+            </a:r>
+            <a:endParaRPr lang="en-US" dirty="0"/>
+          </a:p>
+        </p:txBody>
+      </p:sp>
+      <p:sp>
+        <p:nvSpPr>
+          <p:cNvPr id="3" name="Content Placeholder 2"/>
+          <p:cNvSpPr>
+            <a:spLocks noGrp="1"/>
+          </p:cNvSpPr>
+          <p:nvPr>
+            <p:ph idx="1"/>
+          </p:nvPr>
+        </p:nvSpPr>
+        <p:spPr/>
+        <p:txBody>
+          <a:bodyPr/>
+          <a:lstStyle/>
+          <a:p>
+            <a:r>
+              <a:rPr lang="en-US" dirty="0"/>
+              <a:t>Some parents suffer from the process of paternity testing when they are being sued for child custody.</a:t>
+            </a:r>
+          </a:p>
+          <a:p>
+            <a:r>
+              <a:rPr lang="en-US" dirty="0"/>
+              <a:t>A lot of time when a crime happens, some DNA would be left at the crime scene and would take some time to be processed and eventually lead us to the one who committed that crime.</a:t>
+            </a:r>
+          </a:p>
+          <a:p>
+            <a:r>
+              <a:rPr lang="en-US" dirty="0"/>
+              <a:t>Why can’t we have a system that could potentially prove this in less time and be accessible to everyone.</a:t>
+            </a:r>
+          </a:p>
+          <a:p>
+            <a:endParaRPr lang="en-US" dirty="0"/>
+          </a:p>
+        </p:txBody>
+      </p:sp>
+    </p:spTree>
+    <p:extLst>
+      <p:ext uri="{BB962C8B-B14F-4D97-AF65-F5344CB8AC3E}">
+        <p14:creationId xmlns:p14="http://schemas.microsoft.com/office/powerpoint/2010/main" val="2732585759"/>
+      </p:ext>
+    </p:extLst>
+  </p:cSld>
+  <p:clrMapOvr>
+    <a:masterClrMapping/>
+  </p:clrMapOvr>
+  <p:timing>
+    <p:tnLst>
+      <p:par>
+        <p:cTn id="1" dur="indefinite" restart="never" nodeType="tmRoot"/>
+      </p:par>
+    </p:tnLst>
+  </p:timing>
+</p:sld>
+</file>
+
+<file path=ppt/slides/slide6.xml><?xml version="1.0" encoding="utf-8"?>
+<p:sld xmlns:a="http://schemas.openxmlformats.org/drawingml/2006/main" xmlns:r="http://schemas.openxmlformats.org/officeDocument/2006/relationships" xmlns:p="http://schemas.openxmlformats.org/presentationml/2006/main">
+  <p:cSld>
+    <p:spTree>
+      <p:nvGrpSpPr>
+        <p:cNvPr id="1" name=""/>
+        <p:cNvGrpSpPr/>
+        <p:nvPr/>
+      </p:nvGrpSpPr>
+      <p:grpSpPr>
+        <a:xfrm>
+          <a:off x="0" y="0"/>
+          <a:ext cx="0" cy="0"/>
+          <a:chOff x="0" y="0"/>
+          <a:chExt cx="0" cy="0"/>
+        </a:xfrm>
+      </p:grpSpPr>
+      <p:sp>
+        <p:nvSpPr>
+          <p:cNvPr id="2" name="Title 1"/>
+          <p:cNvSpPr>
+            <a:spLocks noGrp="1"/>
+          </p:cNvSpPr>
+          <p:nvPr>
+            <p:ph type="title"/>
+          </p:nvPr>
+        </p:nvSpPr>
+        <p:spPr/>
+        <p:txBody>
+          <a:bodyPr/>
+          <a:lstStyle/>
+          <a:p>
+            <a:pPr algn="l"/>
+            <a:r>
+              <a:rPr lang="en-US" dirty="0" smtClean="0"/>
+              <a:t>Our Objectives</a:t>
+            </a:r>
+            <a:endParaRPr lang="en-US" dirty="0"/>
+          </a:p>
+        </p:txBody>
+      </p:sp>
+      <p:sp>
+        <p:nvSpPr>
+          <p:cNvPr id="3" name="Content Placeholder 2"/>
+          <p:cNvSpPr>
+            <a:spLocks noGrp="1"/>
+          </p:cNvSpPr>
+          <p:nvPr>
+            <p:ph idx="1"/>
+          </p:nvPr>
+        </p:nvSpPr>
+        <p:spPr/>
+        <p:txBody>
+          <a:bodyPr/>
+          <a:lstStyle/>
+          <a:p>
+            <a:pPr marL="457200" indent="-457200">
+              <a:buFont typeface="+mj-lt"/>
+              <a:buAutoNum type="arabicPeriod"/>
+            </a:pPr>
+            <a:r>
+              <a:rPr lang="en-US" dirty="0" smtClean="0"/>
+              <a:t>Make an automated system to accurately prove parentage of someone by their </a:t>
+            </a:r>
+            <a:r>
+              <a:rPr lang="en-US" dirty="0" err="1" smtClean="0"/>
+              <a:t>rsnumbers</a:t>
+            </a:r>
+            <a:r>
+              <a:rPr lang="en-US" dirty="0" smtClean="0"/>
+              <a:t> and their genotypes.</a:t>
+            </a:r>
+          </a:p>
+          <a:p>
+            <a:pPr marL="457200" indent="-457200">
+              <a:buFont typeface="+mj-lt"/>
+              <a:buAutoNum type="arabicPeriod"/>
+            </a:pPr>
+            <a:r>
+              <a:rPr lang="en-US" dirty="0" smtClean="0"/>
+              <a:t>The same system could apply to other platforms such</a:t>
+            </a:r>
+          </a:p>
+        </p:txBody>
+      </p:sp>
+    </p:spTree>
+    <p:extLst>
+      <p:ext uri="{BB962C8B-B14F-4D97-AF65-F5344CB8AC3E}">
+        <p14:creationId xmlns:p14="http://schemas.microsoft.com/office/powerpoint/2010/main" val="1503938089"/>
+      </p:ext>
+    </p:extLst>
+  </p:cSld>
+  <p:clrMapOvr>
+    <a:masterClrMapping/>
+  </p:clrMapOvr>
+  <p:timing>
+    <p:tnLst>
+      <p:par>
+        <p:cTn id="1" dur="indefinite" restart="never" nodeType="tmRoot"/>
+      </p:par>
+    </p:tnLst>
+  </p:timing>
+</p:sld>
+</file>
+
+<file path=ppt/slides/slide7.xml><?xml version="1.0" encoding="utf-8"?>
+<p:sld xmlns:a="http://schemas.openxmlformats.org/drawingml/2006/main" xmlns:r="http://schemas.openxmlformats.org/officeDocument/2006/relationships" xmlns:p="http://schemas.openxmlformats.org/presentationml/2006/main">
+  <p:cSld>
+    <p:spTree>
+      <p:nvGrpSpPr>
+        <p:cNvPr id="1" name=""/>
+        <p:cNvGrpSpPr/>
+        <p:nvPr/>
+      </p:nvGrpSpPr>
+      <p:grpSpPr>
+        <a:xfrm>
+          <a:off x="0" y="0"/>
+          <a:ext cx="0" cy="0"/>
+          <a:chOff x="0" y="0"/>
+          <a:chExt cx="0" cy="0"/>
+        </a:xfrm>
+      </p:grpSpPr>
+      <p:sp>
+        <p:nvSpPr>
+          <p:cNvPr id="2" name="Title 1"/>
+          <p:cNvSpPr>
+            <a:spLocks noGrp="1"/>
+          </p:cNvSpPr>
+          <p:nvPr>
+            <p:ph type="title"/>
+          </p:nvPr>
+        </p:nvSpPr>
+        <p:spPr/>
+        <p:txBody>
+          <a:bodyPr/>
+          <a:lstStyle/>
+          <a:p>
+            <a:pPr algn="l"/>
+            <a:r>
+              <a:rPr lang="en-US" dirty="0" smtClean="0"/>
+              <a:t>System overview</a:t>
+            </a:r>
+            <a:endParaRPr lang="en-US" dirty="0"/>
+          </a:p>
+        </p:txBody>
+      </p:sp>
       <p:pic>
         <p:nvPicPr>
-          <p:cNvPr id="5" name="Picture 4"/>
+          <p:cNvPr id="6" name="Content Placeholder 5"/>
           <p:cNvPicPr>
-            <a:picLocks noChangeAspect="1"/>
+            <a:picLocks noGrp="1" noChangeAspect="1"/>
           </p:cNvPicPr>
-          <p:nvPr/>
+          <p:nvPr>
+            <p:ph idx="1"/>
+          </p:nvPr>
         </p:nvPicPr>
         <p:blipFill>
-          <a:blip r:embed="rId3">
+          <a:blip r:embed="rId2">
             <a:extLst>
               <a:ext uri="{28A0092B-C50C-407E-A947-70E740481C1C}">
                 <a14:useLocalDpi xmlns:a14="http://schemas.microsoft.com/office/drawing/2010/main" val="0"/>
@@ -6051,8 +6822,8 @@
         </p:blipFill>
         <p:spPr>
           <a:xfrm>
-            <a:off x="6936923" y="176405"/>
-            <a:ext cx="4671602" cy="2958681"/>
+            <a:off x="7027817" y="1805292"/>
+            <a:ext cx="3884612" cy="3695700"/>
           </a:xfrm>
           <a:prstGeom prst="roundRect">
             <a:avLst>
@@ -6072,10 +6843,252 @@
           </a:effectLst>
         </p:spPr>
       </p:pic>
+      <p:sp>
+        <p:nvSpPr>
+          <p:cNvPr id="7" name="TextBox 6"/>
+          <p:cNvSpPr txBox="1"/>
+          <p:nvPr/>
+        </p:nvSpPr>
+        <p:spPr>
+          <a:xfrm>
+            <a:off x="891658" y="2221981"/>
+            <a:ext cx="5199017" cy="3447098"/>
+          </a:xfrm>
+          <a:prstGeom prst="rect">
+            <a:avLst/>
+          </a:prstGeom>
+          <a:noFill/>
+        </p:spPr>
+        <p:txBody>
+          <a:bodyPr wrap="square" rtlCol="0">
+            <a:spAutoFit/>
+          </a:bodyPr>
+          <a:lstStyle/>
+          <a:p>
+            <a:pPr marL="285750" indent="-285750">
+              <a:buFont typeface="Arial" panose="020B0604020202020204" pitchFamily="34" charset="0"/>
+              <a:buChar char="•"/>
+            </a:pPr>
+            <a:r>
+              <a:rPr lang="en-US" sz="2000" dirty="0" smtClean="0"/>
+              <a:t>Our system compares every allele in every child with the alleles in both parents in the same </a:t>
+            </a:r>
+            <a:r>
+              <a:rPr lang="en-US" sz="2000" dirty="0" err="1" smtClean="0"/>
+              <a:t>rs</a:t>
+            </a:r>
+            <a:r>
+              <a:rPr lang="en-US" sz="2000" dirty="0" smtClean="0"/>
+              <a:t> number.</a:t>
+            </a:r>
+          </a:p>
+          <a:p>
+            <a:pPr marL="285750" indent="-285750">
+              <a:buFont typeface="Arial" panose="020B0604020202020204" pitchFamily="34" charset="0"/>
+              <a:buChar char="•"/>
+            </a:pPr>
+            <a:endParaRPr lang="en-US" sz="2000" dirty="0"/>
+          </a:p>
+          <a:p>
+            <a:pPr marL="285750" indent="-285750">
+              <a:buFont typeface="Arial" panose="020B0604020202020204" pitchFamily="34" charset="0"/>
+              <a:buChar char="•"/>
+            </a:pPr>
+            <a:r>
+              <a:rPr lang="en-US" sz="2000" dirty="0" smtClean="0"/>
+              <a:t>Our system can detect whether or not that’s there child or not.</a:t>
+            </a:r>
+          </a:p>
+          <a:p>
+            <a:pPr marL="285750" indent="-285750">
+              <a:buFont typeface="Arial" panose="020B0604020202020204" pitchFamily="34" charset="0"/>
+              <a:buChar char="•"/>
+            </a:pPr>
+            <a:endParaRPr lang="en-US" sz="2000" dirty="0"/>
+          </a:p>
+          <a:p>
+            <a:pPr marL="285750" indent="-285750">
+              <a:buFont typeface="Arial" panose="020B0604020202020204" pitchFamily="34" charset="0"/>
+              <a:buChar char="•"/>
+            </a:pPr>
+            <a:r>
+              <a:rPr lang="en-US" sz="2000" dirty="0" smtClean="0"/>
+              <a:t>We aim that the user can input their alleles and our app can tell them which gene belong to whom.</a:t>
+            </a:r>
+          </a:p>
+          <a:p>
+            <a:pPr marL="285750" indent="-285750">
+              <a:buFont typeface="Arial" panose="020B0604020202020204" pitchFamily="34" charset="0"/>
+              <a:buChar char="•"/>
+            </a:pPr>
+            <a:endParaRPr lang="en-US" dirty="0"/>
+          </a:p>
+        </p:txBody>
+      </p:sp>
     </p:spTree>
     <p:extLst>
       <p:ext uri="{BB962C8B-B14F-4D97-AF65-F5344CB8AC3E}">
-        <p14:creationId xmlns:p14="http://schemas.microsoft.com/office/powerpoint/2010/main" val="246240328"/>
+        <p14:creationId xmlns:p14="http://schemas.microsoft.com/office/powerpoint/2010/main" val="1627431422"/>
+      </p:ext>
+    </p:extLst>
+  </p:cSld>
+  <p:clrMapOvr>
+    <a:masterClrMapping/>
+  </p:clrMapOvr>
+  <p:timing>
+    <p:tnLst>
+      <p:par>
+        <p:cTn id="1" dur="indefinite" restart="never" nodeType="tmRoot"/>
+      </p:par>
+    </p:tnLst>
+  </p:timing>
+</p:sld>
+</file>
+
+<file path=ppt/slides/slide8.xml><?xml version="1.0" encoding="utf-8"?>
+<p:sld xmlns:a="http://schemas.openxmlformats.org/drawingml/2006/main" xmlns:r="http://schemas.openxmlformats.org/officeDocument/2006/relationships" xmlns:p="http://schemas.openxmlformats.org/presentationml/2006/main">
+  <p:cSld>
+    <p:spTree>
+      <p:nvGrpSpPr>
+        <p:cNvPr id="1" name=""/>
+        <p:cNvGrpSpPr/>
+        <p:nvPr/>
+      </p:nvGrpSpPr>
+      <p:grpSpPr>
+        <a:xfrm>
+          <a:off x="0" y="0"/>
+          <a:ext cx="0" cy="0"/>
+          <a:chOff x="0" y="0"/>
+          <a:chExt cx="0" cy="0"/>
+        </a:xfrm>
+      </p:grpSpPr>
+      <p:sp>
+        <p:nvSpPr>
+          <p:cNvPr id="2" name="Title 1"/>
+          <p:cNvSpPr>
+            <a:spLocks noGrp="1"/>
+          </p:cNvSpPr>
+          <p:nvPr>
+            <p:ph type="title"/>
+          </p:nvPr>
+        </p:nvSpPr>
+        <p:spPr/>
+        <p:txBody>
+          <a:bodyPr/>
+          <a:lstStyle/>
+          <a:p>
+            <a:pPr algn="l"/>
+            <a:r>
+              <a:rPr lang="en-US" dirty="0" smtClean="0"/>
+              <a:t>Use-cases diagram</a:t>
+            </a:r>
+            <a:endParaRPr lang="en-US" dirty="0"/>
+          </a:p>
+        </p:txBody>
+      </p:sp>
+      <p:sp>
+        <p:nvSpPr>
+          <p:cNvPr id="3" name="Content Placeholder 2"/>
+          <p:cNvSpPr>
+            <a:spLocks noGrp="1"/>
+          </p:cNvSpPr>
+          <p:nvPr>
+            <p:ph idx="1"/>
+          </p:nvPr>
+        </p:nvSpPr>
+        <p:spPr/>
+        <p:txBody>
+          <a:bodyPr/>
+          <a:lstStyle/>
+          <a:p>
+            <a:endParaRPr lang="en-US"/>
+          </a:p>
+        </p:txBody>
+      </p:sp>
+    </p:spTree>
+    <p:extLst>
+      <p:ext uri="{BB962C8B-B14F-4D97-AF65-F5344CB8AC3E}">
+        <p14:creationId xmlns:p14="http://schemas.microsoft.com/office/powerpoint/2010/main" val="3312681899"/>
+      </p:ext>
+    </p:extLst>
+  </p:cSld>
+  <p:clrMapOvr>
+    <a:masterClrMapping/>
+  </p:clrMapOvr>
+  <p:timing>
+    <p:tnLst>
+      <p:par>
+        <p:cTn id="1" dur="indefinite" restart="never" nodeType="tmRoot"/>
+      </p:par>
+    </p:tnLst>
+  </p:timing>
+</p:sld>
+</file>
+
+<file path=ppt/slides/slide9.xml><?xml version="1.0" encoding="utf-8"?>
+<p:sld xmlns:a="http://schemas.openxmlformats.org/drawingml/2006/main" xmlns:r="http://schemas.openxmlformats.org/officeDocument/2006/relationships" xmlns:p="http://schemas.openxmlformats.org/presentationml/2006/main">
+  <p:cSld>
+    <p:spTree>
+      <p:nvGrpSpPr>
+        <p:cNvPr id="1" name=""/>
+        <p:cNvGrpSpPr/>
+        <p:nvPr/>
+      </p:nvGrpSpPr>
+      <p:grpSpPr>
+        <a:xfrm>
+          <a:off x="0" y="0"/>
+          <a:ext cx="0" cy="0"/>
+          <a:chOff x="0" y="0"/>
+          <a:chExt cx="0" cy="0"/>
+        </a:xfrm>
+      </p:grpSpPr>
+      <p:sp>
+        <p:nvSpPr>
+          <p:cNvPr id="2" name="Title 1"/>
+          <p:cNvSpPr>
+            <a:spLocks noGrp="1"/>
+          </p:cNvSpPr>
+          <p:nvPr>
+            <p:ph type="title"/>
+          </p:nvPr>
+        </p:nvSpPr>
+        <p:spPr/>
+        <p:txBody>
+          <a:bodyPr/>
+          <a:lstStyle/>
+          <a:p>
+            <a:pPr algn="l"/>
+            <a:r>
+              <a:rPr lang="en-US" dirty="0" smtClean="0"/>
+              <a:t>Functional requirements</a:t>
+            </a:r>
+            <a:endParaRPr lang="en-US" dirty="0"/>
+          </a:p>
+        </p:txBody>
+      </p:sp>
+      <p:sp>
+        <p:nvSpPr>
+          <p:cNvPr id="3" name="Content Placeholder 2"/>
+          <p:cNvSpPr>
+            <a:spLocks noGrp="1"/>
+          </p:cNvSpPr>
+          <p:nvPr>
+            <p:ph idx="1"/>
+          </p:nvPr>
+        </p:nvSpPr>
+        <p:spPr/>
+        <p:txBody>
+          <a:bodyPr/>
+          <a:lstStyle/>
+          <a:p>
+            <a:endParaRPr lang="en-US"/>
+          </a:p>
+        </p:txBody>
+      </p:sp>
+    </p:spTree>
+    <p:extLst>
+      <p:ext uri="{BB962C8B-B14F-4D97-AF65-F5344CB8AC3E}">
+        <p14:creationId xmlns:p14="http://schemas.microsoft.com/office/powerpoint/2010/main" val="3251242707"/>
       </p:ext>
     </p:extLst>
   </p:cSld>

--- a/E-Genetics/presentations/Genetics.pptx
+++ b/E-Genetics/presentations/Genetics.pptx
@@ -17,8 +17,9 @@
     <p:sldId id="264" r:id="rId11"/>
     <p:sldId id="265" r:id="rId12"/>
     <p:sldId id="266" r:id="rId13"/>
-    <p:sldId id="267" r:id="rId14"/>
-    <p:sldId id="259" r:id="rId15"/>
+    <p:sldId id="270" r:id="rId14"/>
+    <p:sldId id="267" r:id="rId15"/>
+    <p:sldId id="259" r:id="rId16"/>
   </p:sldIdLst>
   <p:sldSz cx="12192000" cy="6858000"/>
   <p:notesSz cx="6858000" cy="9144000"/>
@@ -5687,7 +5688,15 @@
           <a:p>
             <a:r>
               <a:rPr lang="en-US" dirty="0" smtClean="0"/>
-              <a:t>Youssif Assem, Mohamed Moataz</a:t>
+              <a:t>Youssif Assem, Mohamed </a:t>
+            </a:r>
+            <a:r>
+              <a:rPr lang="en-US" dirty="0" smtClean="0"/>
+              <a:t>Moataz, Kareem Ehab</a:t>
+            </a:r>
+            <a:r>
+              <a:rPr lang="en-US" dirty="0" smtClean="0"/>
+              <a:t>, Ahmed Gamal</a:t>
             </a:r>
             <a:endParaRPr lang="en-US" dirty="0"/>
           </a:p>
@@ -5769,7 +5778,34 @@
           <a:bodyPr/>
           <a:lstStyle/>
           <a:p>
-            <a:endParaRPr lang="en-US"/>
+            <a:r>
+              <a:rPr lang="en-US" dirty="0" smtClean="0"/>
+              <a:t>Security</a:t>
+            </a:r>
+          </a:p>
+          <a:p>
+            <a:r>
+              <a:rPr lang="en-US" dirty="0" smtClean="0"/>
+              <a:t>Availability</a:t>
+            </a:r>
+          </a:p>
+          <a:p>
+            <a:r>
+              <a:rPr lang="en-US" dirty="0" smtClean="0"/>
+              <a:t>Scalability</a:t>
+            </a:r>
+          </a:p>
+          <a:p>
+            <a:r>
+              <a:rPr lang="en-US" dirty="0" smtClean="0"/>
+              <a:t>Performance</a:t>
+            </a:r>
+          </a:p>
+          <a:p>
+            <a:pPr marL="0" indent="0">
+              <a:buNone/>
+            </a:pPr>
+            <a:endParaRPr lang="en-US" dirty="0"/>
           </a:p>
         </p:txBody>
       </p:sp>
@@ -5828,35 +5864,41 @@
             <a:pPr algn="l"/>
             <a:r>
               <a:rPr lang="en-US" dirty="0" smtClean="0"/>
-              <a:t>Class </a:t>
-            </a:r>
-            <a:r>
-              <a:rPr lang="en-US" dirty="0" smtClean="0"/>
-              <a:t>diagrams</a:t>
+              <a:t>Class diagrams</a:t>
             </a:r>
             <a:endParaRPr lang="en-US" dirty="0"/>
           </a:p>
         </p:txBody>
       </p:sp>
-      <p:sp>
-        <p:nvSpPr>
-          <p:cNvPr id="3" name="Content Placeholder 2"/>
-          <p:cNvSpPr>
-            <a:spLocks noGrp="1"/>
-          </p:cNvSpPr>
+      <p:pic>
+        <p:nvPicPr>
+          <p:cNvPr id="4" name="Content Placeholder 3"/>
+          <p:cNvPicPr>
+            <a:picLocks noGrp="1" noChangeAspect="1"/>
+          </p:cNvPicPr>
           <p:nvPr>
             <p:ph idx="1"/>
           </p:nvPr>
-        </p:nvSpPr>
-        <p:spPr/>
-        <p:txBody>
-          <a:bodyPr/>
-          <a:lstStyle/>
-          <a:p>
-            <a:endParaRPr lang="en-US"/>
-          </a:p>
-        </p:txBody>
-      </p:sp>
+        </p:nvPicPr>
+        <p:blipFill>
+          <a:blip r:embed="rId2" cstate="print">
+            <a:extLst>
+              <a:ext uri="{28A0092B-C50C-407E-A947-70E740481C1C}">
+                <a14:useLocalDpi xmlns:a14="http://schemas.microsoft.com/office/drawing/2010/main" val="0"/>
+              </a:ext>
+            </a:extLst>
+          </a:blip>
+          <a:stretch>
+            <a:fillRect/>
+          </a:stretch>
+        </p:blipFill>
+        <p:spPr>
+          <a:xfrm>
+            <a:off x="7219406" y="609600"/>
+            <a:ext cx="3612722" cy="5897157"/>
+          </a:xfrm>
+        </p:spPr>
+      </p:pic>
     </p:spTree>
     <p:extLst>
       <p:ext uri="{BB962C8B-B14F-4D97-AF65-F5344CB8AC3E}">
@@ -5918,25 +5960,35 @@
           </a:p>
         </p:txBody>
       </p:sp>
-      <p:sp>
-        <p:nvSpPr>
-          <p:cNvPr id="3" name="Content Placeholder 2"/>
-          <p:cNvSpPr>
-            <a:spLocks noGrp="1"/>
-          </p:cNvSpPr>
+      <p:pic>
+        <p:nvPicPr>
+          <p:cNvPr id="7" name="Content Placeholder 3"/>
+          <p:cNvPicPr>
+            <a:picLocks noGrp="1" noChangeAspect="1"/>
+          </p:cNvPicPr>
           <p:nvPr>
             <p:ph idx="1"/>
           </p:nvPr>
-        </p:nvSpPr>
-        <p:spPr/>
-        <p:txBody>
-          <a:bodyPr/>
-          <a:lstStyle/>
-          <a:p>
-            <a:endParaRPr lang="en-US"/>
-          </a:p>
-        </p:txBody>
-      </p:sp>
+        </p:nvPicPr>
+        <p:blipFill>
+          <a:blip r:embed="rId2">
+            <a:extLst>
+              <a:ext uri="{28A0092B-C50C-407E-A947-70E740481C1C}">
+                <a14:useLocalDpi xmlns:a14="http://schemas.microsoft.com/office/drawing/2010/main" val="0"/>
+              </a:ext>
+            </a:extLst>
+          </a:blip>
+          <a:stretch>
+            <a:fillRect/>
+          </a:stretch>
+        </p:blipFill>
+        <p:spPr>
+          <a:xfrm>
+            <a:off x="913795" y="1733006"/>
+            <a:ext cx="9710056" cy="4711337"/>
+          </a:xfrm>
+        </p:spPr>
+      </p:pic>
     </p:spTree>
     <p:extLst>
       <p:ext uri="{BB962C8B-B14F-4D97-AF65-F5344CB8AC3E}">
@@ -5974,6 +6026,106 @@
           <a:chExt cx="0" cy="0"/>
         </a:xfrm>
       </p:grpSpPr>
+      <p:pic>
+        <p:nvPicPr>
+          <p:cNvPr id="6" name="Picture 5"/>
+          <p:cNvPicPr>
+            <a:picLocks noChangeAspect="1"/>
+          </p:cNvPicPr>
+          <p:nvPr/>
+        </p:nvPicPr>
+        <p:blipFill>
+          <a:blip r:embed="rId2">
+            <a:extLst>
+              <a:ext uri="{28A0092B-C50C-407E-A947-70E740481C1C}">
+                <a14:useLocalDpi xmlns:a14="http://schemas.microsoft.com/office/drawing/2010/main" val="0"/>
+              </a:ext>
+            </a:extLst>
+          </a:blip>
+          <a:stretch>
+            <a:fillRect/>
+          </a:stretch>
+        </p:blipFill>
+        <p:spPr>
+          <a:xfrm>
+            <a:off x="1084457" y="2116182"/>
+            <a:ext cx="9827384" cy="4302035"/>
+          </a:xfrm>
+          <a:prstGeom prst="rect">
+            <a:avLst/>
+          </a:prstGeom>
+        </p:spPr>
+      </p:pic>
+      <p:sp>
+        <p:nvSpPr>
+          <p:cNvPr id="7" name="Title 1"/>
+          <p:cNvSpPr>
+            <a:spLocks noGrp="1"/>
+          </p:cNvSpPr>
+          <p:nvPr>
+            <p:ph type="title"/>
+          </p:nvPr>
+        </p:nvSpPr>
+        <p:spPr>
+          <a:xfrm>
+            <a:off x="913795" y="609600"/>
+            <a:ext cx="10353761" cy="1326321"/>
+          </a:xfrm>
+        </p:spPr>
+        <p:txBody>
+          <a:bodyPr/>
+          <a:lstStyle/>
+          <a:p>
+            <a:pPr algn="l"/>
+            <a:r>
+              <a:rPr lang="en-US" dirty="0" smtClean="0"/>
+              <a:t>Data design (database &amp; dataset</a:t>
+            </a:r>
+            <a:r>
+              <a:rPr lang="en-US" dirty="0" smtClean="0"/>
+              <a:t>) (cont.)</a:t>
+            </a:r>
+            <a:endParaRPr lang="en-US" dirty="0"/>
+          </a:p>
+        </p:txBody>
+      </p:sp>
+    </p:spTree>
+    <p:extLst>
+      <p:ext uri="{BB962C8B-B14F-4D97-AF65-F5344CB8AC3E}">
+        <p14:creationId xmlns:p14="http://schemas.microsoft.com/office/powerpoint/2010/main" val="2241732183"/>
+      </p:ext>
+    </p:extLst>
+  </p:cSld>
+  <p:clrMapOvr>
+    <a:masterClrMapping/>
+  </p:clrMapOvr>
+  <p:timing>
+    <p:tnLst>
+      <p:par>
+        <p:cTn id="1" dur="indefinite" restart="never" nodeType="tmRoot"/>
+      </p:par>
+    </p:tnLst>
+  </p:timing>
+</p:sld>
+</file>
+
+<file path=ppt/slides/slide14.xml><?xml version="1.0" encoding="utf-8"?>
+<p:sld xmlns:a="http://schemas.openxmlformats.org/drawingml/2006/main" xmlns:r="http://schemas.openxmlformats.org/officeDocument/2006/relationships" xmlns:p="http://schemas.openxmlformats.org/presentationml/2006/main">
+  <p:cSld>
+    <p:spTree>
+      <p:nvGrpSpPr>
+        <p:cNvPr id="1" name=""/>
+        <p:cNvGrpSpPr/>
+        <p:nvPr/>
+      </p:nvGrpSpPr>
+      <p:grpSpPr>
+        <a:xfrm>
+          <a:off x="0" y="0"/>
+          <a:ext cx="0" cy="0"/>
+          <a:chOff x="0" y="0"/>
+          <a:chExt cx="0" cy="0"/>
+        </a:xfrm>
+      </p:grpSpPr>
       <p:sp>
         <p:nvSpPr>
           <p:cNvPr id="2" name="Title 1"/>
@@ -5995,25 +6147,6 @@
               <a:t>Live demo</a:t>
             </a:r>
             <a:endParaRPr lang="en-US" dirty="0"/>
-          </a:p>
-        </p:txBody>
-      </p:sp>
-      <p:sp>
-        <p:nvSpPr>
-          <p:cNvPr id="3" name="Content Placeholder 2"/>
-          <p:cNvSpPr>
-            <a:spLocks noGrp="1"/>
-          </p:cNvSpPr>
-          <p:nvPr>
-            <p:ph idx="1"/>
-          </p:nvPr>
-        </p:nvSpPr>
-        <p:spPr/>
-        <p:txBody>
-          <a:bodyPr/>
-          <a:lstStyle/>
-          <a:p>
-            <a:endParaRPr lang="en-US"/>
           </a:p>
         </p:txBody>
       </p:sp>
@@ -6037,7 +6170,7 @@
 </p:sld>
 </file>
 
-<file path=ppt/slides/slide14.xml><?xml version="1.0" encoding="utf-8"?>
+<file path=ppt/slides/slide15.xml><?xml version="1.0" encoding="utf-8"?>
 <p:sld xmlns:a="http://schemas.openxmlformats.org/drawingml/2006/main" xmlns:r="http://schemas.openxmlformats.org/officeDocument/2006/relationships" xmlns:p="http://schemas.openxmlformats.org/presentationml/2006/main">
   <p:cSld>
     <p:spTree>
@@ -6261,11 +6394,7 @@
           <a:p>
             <a:r>
               <a:rPr lang="en-US" dirty="0" smtClean="0"/>
-              <a:t>Functional Requiremen</a:t>
-            </a:r>
-            <a:r>
-              <a:rPr lang="en-US" dirty="0" smtClean="0"/>
-              <a:t>ts</a:t>
+              <a:t>Functional Requirements</a:t>
             </a:r>
           </a:p>
           <a:p>
@@ -6307,6 +6436,13 @@
   <p:clrMapOvr>
     <a:masterClrMapping/>
   </p:clrMapOvr>
+  <p:timing>
+    <p:tnLst>
+      <p:par>
+        <p:cTn id="1" dur="indefinite" restart="never" nodeType="tmRoot"/>
+      </p:par>
+    </p:tnLst>
+  </p:timing>
 </p:sld>
 </file>
 
@@ -6379,7 +6515,15 @@
             </a:pPr>
             <a:r>
               <a:rPr lang="en-US" dirty="0"/>
-              <a:t>It is a reference number to the genotype we have that consists of two alleles (one from the father and the other from the mother</a:t>
+              <a:t>It is a reference number to the </a:t>
+            </a:r>
+            <a:r>
+              <a:rPr lang="en-US" dirty="0" smtClean="0"/>
+              <a:t>gene </a:t>
+            </a:r>
+            <a:r>
+              <a:rPr lang="en-US" dirty="0"/>
+              <a:t>we have that consists of two alleles (one from the father and the other from the mother</a:t>
             </a:r>
             <a:r>
               <a:rPr lang="en-US" dirty="0" smtClean="0"/>
@@ -6399,44 +6543,264 @@
             <a:pPr marL="0" indent="0">
               <a:buNone/>
             </a:pPr>
-            <a:r>
-              <a:rPr lang="en-US" dirty="0" err="1" smtClean="0"/>
-              <a:t>RsNumber</a:t>
-            </a:r>
-            <a:r>
-              <a:rPr lang="en-US" dirty="0" smtClean="0"/>
-              <a:t> 	Genotype</a:t>
-            </a:r>
-          </a:p>
-          <a:p>
-            <a:pPr marL="0" indent="0">
-              <a:buNone/>
-            </a:pPr>
-            <a:r>
-              <a:rPr lang="en-US" dirty="0" smtClean="0"/>
-              <a:t>Rs983612	AA</a:t>
-            </a:r>
-          </a:p>
-          <a:p>
-            <a:pPr marL="0" indent="0">
-              <a:buNone/>
-            </a:pPr>
-            <a:endParaRPr lang="en-US" dirty="0" smtClean="0"/>
-          </a:p>
-          <a:p>
-            <a:pPr marL="0" indent="0">
-              <a:buNone/>
-            </a:pPr>
             <a:endParaRPr lang="en-US" dirty="0"/>
           </a:p>
-          <a:p>
-            <a:pPr marL="0" indent="0">
-              <a:buNone/>
-            </a:pPr>
-            <a:endParaRPr lang="en-US" dirty="0" smtClean="0"/>
-          </a:p>
-        </p:txBody>
-      </p:sp>
+        </p:txBody>
+      </p:sp>
+      <p:graphicFrame>
+        <p:nvGraphicFramePr>
+          <p:cNvPr id="4" name="Table 3"/>
+          <p:cNvGraphicFramePr>
+            <a:graphicFrameLocks noGrp="1"/>
+          </p:cNvGraphicFramePr>
+          <p:nvPr>
+            <p:extLst>
+              <p:ext uri="{D42A27DB-BD31-4B8C-83A1-F6EECF244321}">
+                <p14:modId xmlns:p14="http://schemas.microsoft.com/office/powerpoint/2010/main" val="3810761994"/>
+              </p:ext>
+            </p:extLst>
+          </p:nvPr>
+        </p:nvGraphicFramePr>
+        <p:xfrm>
+          <a:off x="913795" y="4290524"/>
+          <a:ext cx="9411060" cy="741680"/>
+        </p:xfrm>
+        <a:graphic>
+          <a:graphicData uri="http://schemas.openxmlformats.org/drawingml/2006/table">
+            <a:tbl>
+              <a:tblPr firstRow="1" bandRow="1">
+                <a:tableStyleId>{C083E6E3-FA7D-4D7B-A595-EF9225AFEA82}</a:tableStyleId>
+              </a:tblPr>
+              <a:tblGrid>
+                <a:gridCol w="1568510">
+                  <a:extLst>
+                    <a:ext uri="{9D8B030D-6E8A-4147-A177-3AD203B41FA5}">
+                      <a16:colId xmlns:a16="http://schemas.microsoft.com/office/drawing/2014/main" val="3805779845"/>
+                    </a:ext>
+                  </a:extLst>
+                </a:gridCol>
+                <a:gridCol w="1568510">
+                  <a:extLst>
+                    <a:ext uri="{9D8B030D-6E8A-4147-A177-3AD203B41FA5}">
+                      <a16:colId xmlns:a16="http://schemas.microsoft.com/office/drawing/2014/main" val="1936980542"/>
+                    </a:ext>
+                  </a:extLst>
+                </a:gridCol>
+                <a:gridCol w="1568510">
+                  <a:extLst>
+                    <a:ext uri="{9D8B030D-6E8A-4147-A177-3AD203B41FA5}">
+                      <a16:colId xmlns:a16="http://schemas.microsoft.com/office/drawing/2014/main" val="554480373"/>
+                    </a:ext>
+                  </a:extLst>
+                </a:gridCol>
+                <a:gridCol w="1568510">
+                  <a:extLst>
+                    <a:ext uri="{9D8B030D-6E8A-4147-A177-3AD203B41FA5}">
+                      <a16:colId xmlns:a16="http://schemas.microsoft.com/office/drawing/2014/main" val="713361231"/>
+                    </a:ext>
+                  </a:extLst>
+                </a:gridCol>
+                <a:gridCol w="1568510">
+                  <a:extLst>
+                    <a:ext uri="{9D8B030D-6E8A-4147-A177-3AD203B41FA5}">
+                      <a16:colId xmlns:a16="http://schemas.microsoft.com/office/drawing/2014/main" val="135831676"/>
+                    </a:ext>
+                  </a:extLst>
+                </a:gridCol>
+                <a:gridCol w="1568510">
+                  <a:extLst>
+                    <a:ext uri="{9D8B030D-6E8A-4147-A177-3AD203B41FA5}">
+                      <a16:colId xmlns:a16="http://schemas.microsoft.com/office/drawing/2014/main" val="223717166"/>
+                    </a:ext>
+                  </a:extLst>
+                </a:gridCol>
+              </a:tblGrid>
+              <a:tr h="370840">
+                <a:tc>
+                  <a:txBody>
+                    <a:bodyPr/>
+                    <a:lstStyle/>
+                    <a:p>
+                      <a:r>
+                        <a:rPr lang="en-US" dirty="0" smtClean="0"/>
+                        <a:t>RsNumber</a:t>
+                      </a:r>
+                      <a:endParaRPr lang="en-US" dirty="0"/>
+                    </a:p>
+                  </a:txBody>
+                  <a:tcPr/>
+                </a:tc>
+                <a:tc>
+                  <a:txBody>
+                    <a:bodyPr/>
+                    <a:lstStyle/>
+                    <a:p>
+                      <a:r>
+                        <a:rPr lang="en-US" dirty="0" smtClean="0"/>
+                        <a:t>Father</a:t>
+                      </a:r>
+                      <a:endParaRPr lang="en-US" dirty="0"/>
+                    </a:p>
+                  </a:txBody>
+                  <a:tcPr/>
+                </a:tc>
+                <a:tc>
+                  <a:txBody>
+                    <a:bodyPr/>
+                    <a:lstStyle/>
+                    <a:p>
+                      <a:r>
+                        <a:rPr lang="en-US" dirty="0" smtClean="0"/>
+                        <a:t>Mother</a:t>
+                      </a:r>
+                      <a:endParaRPr lang="en-US" dirty="0"/>
+                    </a:p>
+                  </a:txBody>
+                  <a:tcPr/>
+                </a:tc>
+                <a:tc>
+                  <a:txBody>
+                    <a:bodyPr/>
+                    <a:lstStyle/>
+                    <a:p>
+                      <a:r>
+                        <a:rPr lang="en-US" dirty="0" smtClean="0"/>
+                        <a:t>Child1</a:t>
+                      </a:r>
+                      <a:endParaRPr lang="en-US" dirty="0"/>
+                    </a:p>
+                  </a:txBody>
+                  <a:tcPr/>
+                </a:tc>
+                <a:tc>
+                  <a:txBody>
+                    <a:bodyPr/>
+                    <a:lstStyle/>
+                    <a:p>
+                      <a:r>
+                        <a:rPr lang="en-US" dirty="0" smtClean="0"/>
+                        <a:t>Child2</a:t>
+                      </a:r>
+                      <a:endParaRPr lang="en-US" dirty="0"/>
+                    </a:p>
+                  </a:txBody>
+                  <a:tcPr/>
+                </a:tc>
+                <a:tc>
+                  <a:txBody>
+                    <a:bodyPr/>
+                    <a:lstStyle/>
+                    <a:p>
+                      <a:r>
+                        <a:rPr lang="en-US" dirty="0" smtClean="0"/>
+                        <a:t>Child3</a:t>
+                      </a:r>
+                      <a:endParaRPr lang="en-US" dirty="0"/>
+                    </a:p>
+                  </a:txBody>
+                  <a:tcPr/>
+                </a:tc>
+                <a:extLst>
+                  <a:ext uri="{0D108BD9-81ED-4DB2-BD59-A6C34878D82A}">
+                    <a16:rowId xmlns:a16="http://schemas.microsoft.com/office/drawing/2014/main" val="3075133752"/>
+                  </a:ext>
+                </a:extLst>
+              </a:tr>
+              <a:tr h="370840">
+                <a:tc>
+                  <a:txBody>
+                    <a:bodyPr/>
+                    <a:lstStyle/>
+                    <a:p>
+                      <a:r>
+                        <a:rPr lang="en-US" dirty="0" smtClean="0"/>
+                        <a:t>rs3131972</a:t>
+                      </a:r>
+                      <a:endParaRPr lang="en-US" dirty="0"/>
+                    </a:p>
+                  </a:txBody>
+                  <a:tcPr/>
+                </a:tc>
+                <a:tc>
+                  <a:txBody>
+                    <a:bodyPr/>
+                    <a:lstStyle/>
+                    <a:p>
+                      <a:r>
+                        <a:rPr lang="en-US" dirty="0" smtClean="0"/>
+                        <a:t>AG</a:t>
+                      </a:r>
+                      <a:endParaRPr lang="en-US" dirty="0"/>
+                    </a:p>
+                  </a:txBody>
+                  <a:tcPr/>
+                </a:tc>
+                <a:tc>
+                  <a:txBody>
+                    <a:bodyPr/>
+                    <a:lstStyle/>
+                    <a:p>
+                      <a:r>
+                        <a:rPr lang="en-US" dirty="0" smtClean="0"/>
+                        <a:t>GG</a:t>
+                      </a:r>
+                      <a:endParaRPr lang="en-US" dirty="0"/>
+                    </a:p>
+                  </a:txBody>
+                  <a:tcPr/>
+                </a:tc>
+                <a:tc>
+                  <a:txBody>
+                    <a:bodyPr/>
+                    <a:lstStyle/>
+                    <a:p>
+                      <a:r>
+                        <a:rPr lang="en-US" dirty="0" smtClean="0"/>
+                        <a:t>AG</a:t>
+                      </a:r>
+                      <a:endParaRPr lang="en-US" dirty="0"/>
+                    </a:p>
+                  </a:txBody>
+                  <a:tcPr/>
+                </a:tc>
+                <a:tc>
+                  <a:txBody>
+                    <a:bodyPr/>
+                    <a:lstStyle/>
+                    <a:p>
+                      <a:r>
+                        <a:rPr lang="en-US" dirty="0" smtClean="0"/>
+                        <a:t>GG</a:t>
+                      </a:r>
+                      <a:endParaRPr lang="en-US" dirty="0"/>
+                    </a:p>
+                  </a:txBody>
+                  <a:tcPr/>
+                </a:tc>
+                <a:tc>
+                  <a:txBody>
+                    <a:bodyPr/>
+                    <a:lstStyle/>
+                    <a:p>
+                      <a:r>
+                        <a:rPr lang="en-US" dirty="0" smtClean="0"/>
+                        <a:t>GG</a:t>
+                      </a:r>
+                      <a:endParaRPr lang="en-US" dirty="0"/>
+                    </a:p>
+                  </a:txBody>
+                  <a:tcPr/>
+                </a:tc>
+                <a:extLst>
+                  <a:ext uri="{0D108BD9-81ED-4DB2-BD59-A6C34878D82A}">
+                    <a16:rowId xmlns:a16="http://schemas.microsoft.com/office/drawing/2014/main" val="2142787845"/>
+                  </a:ext>
+                </a:extLst>
+              </a:tr>
+            </a:tbl>
+          </a:graphicData>
+        </a:graphic>
+      </p:graphicFrame>
     </p:spTree>
     <p:extLst>
       <p:ext uri="{BB962C8B-B14F-4D97-AF65-F5344CB8AC3E}">
@@ -6513,9 +6877,25 @@
           <a:bodyPr/>
           <a:lstStyle/>
           <a:p>
+            <a:pPr marL="0" indent="0">
+              <a:buNone/>
+            </a:pPr>
+            <a:r>
+              <a:rPr lang="en-US" dirty="0" smtClean="0"/>
+              <a:t>Whole genome </a:t>
+            </a:r>
+          </a:p>
+          <a:p>
+            <a:pPr marL="0" indent="0">
+              <a:buNone/>
+            </a:pPr>
+            <a:r>
+              <a:rPr lang="en-US" dirty="0" smtClean="0"/>
+              <a:t>It </a:t>
+            </a:r>
             <a:r>
               <a:rPr lang="en-US" dirty="0"/>
-              <a:t>Meanings of whole genome and whole exome.</a:t>
+              <a:t>is the whole DNA sequence that a human have in their system.</a:t>
             </a:r>
           </a:p>
           <a:p>
@@ -6523,18 +6903,32 @@
               <a:buNone/>
             </a:pPr>
             <a:r>
+              <a:rPr lang="en-US" dirty="0" smtClean="0"/>
+              <a:t>Whole exome</a:t>
+            </a:r>
+          </a:p>
+          <a:p>
+            <a:pPr marL="0" indent="0">
+              <a:buNone/>
+            </a:pPr>
+            <a:r>
+              <a:rPr lang="en-US" dirty="0" smtClean="0"/>
+              <a:t>It </a:t>
+            </a:r>
+            <a:r>
               <a:rPr lang="en-US" dirty="0"/>
-              <a:t>It is the whole DNA sequence that a human have in their system.</a:t>
+              <a:t>is a part of the whole genome and makes up only 1.5% of it and it may reveal information about family relationships (ex: paternity test</a:t>
+            </a:r>
+            <a:r>
+              <a:rPr lang="en-US" dirty="0" smtClean="0"/>
+              <a:t>) </a:t>
             </a:r>
           </a:p>
           <a:p>
             <a:pPr marL="0" indent="0">
               <a:buNone/>
             </a:pPr>
-            <a:r>
-              <a:rPr lang="en-US" dirty="0"/>
-              <a:t>It is a part of the whole genome and makes up only 1.5% of it and it may reveal information about family relationships (ex: paternity test)</a:t>
-            </a:r>
+            <a:endParaRPr lang="en-US" dirty="0"/>
           </a:p>
           <a:p>
             <a:endParaRPr lang="en-US" dirty="0"/>
@@ -6551,6 +6945,13 @@
   <p:clrMapOvr>
     <a:masterClrMapping/>
   </p:clrMapOvr>
+  <p:timing>
+    <p:tnLst>
+      <p:par>
+        <p:cTn id="1" dur="indefinite" restart="never" nodeType="tmRoot"/>
+      </p:par>
+    </p:tnLst>
+  </p:timing>
 </p:sld>
 </file>
 
@@ -6717,12 +7118,16 @@
               <a:t>Make an automated system to accurately prove parentage of someone by their </a:t>
             </a:r>
             <a:r>
-              <a:rPr lang="en-US" dirty="0" err="1" smtClean="0"/>
-              <a:t>rsnumbers</a:t>
-            </a:r>
-            <a:r>
               <a:rPr lang="en-US" dirty="0" smtClean="0"/>
-              <a:t> and their genotypes.</a:t>
+              <a:t>rsNumbers and </a:t>
+            </a:r>
+            <a:r>
+              <a:rPr lang="en-US" dirty="0" smtClean="0"/>
+              <a:t>their genotypes</a:t>
+            </a:r>
+            <a:r>
+              <a:rPr lang="en-US" dirty="0" smtClean="0"/>
+              <a:t>.</a:t>
             </a:r>
           </a:p>
           <a:p>
@@ -6732,8 +7137,41 @@
             </a:pPr>
             <a:r>
               <a:rPr lang="en-US" dirty="0" smtClean="0"/>
-              <a:t>The same system could apply to other platforms such</a:t>
-            </a:r>
+              <a:t>Add another part to enter the user’s whole genome or whole exome.</a:t>
+            </a:r>
+          </a:p>
+          <a:p>
+            <a:pPr marL="457200" indent="-457200">
+              <a:buFont typeface="+mj-lt"/>
+              <a:buAutoNum type="arabicPeriod"/>
+            </a:pPr>
+            <a:r>
+              <a:rPr lang="en-US" dirty="0" smtClean="0"/>
+              <a:t>We aim to have the application accessible by everyone by an online web application.</a:t>
+            </a:r>
+          </a:p>
+          <a:p>
+            <a:pPr marL="457200" indent="-457200">
+              <a:buFont typeface="+mj-lt"/>
+              <a:buAutoNum type="arabicPeriod"/>
+            </a:pPr>
+            <a:r>
+              <a:rPr lang="en-US" dirty="0" smtClean="0"/>
+              <a:t>We aim that the user can see which alleles contributed to being wrong that led to prove wrong parentage.</a:t>
+            </a:r>
+          </a:p>
+          <a:p>
+            <a:pPr marL="0" indent="0">
+              <a:buNone/>
+            </a:pPr>
+            <a:endParaRPr lang="en-US" dirty="0"/>
+          </a:p>
+          <a:p>
+            <a:pPr marL="457200" indent="-457200">
+              <a:buFont typeface="+mj-lt"/>
+              <a:buAutoNum type="arabicPeriod"/>
+            </a:pPr>
+            <a:endParaRPr lang="en-US" dirty="0" smtClean="0"/>
           </a:p>
         </p:txBody>
       </p:sp>
@@ -6822,7 +7260,7 @@
         </p:blipFill>
         <p:spPr>
           <a:xfrm>
-            <a:off x="7027817" y="1805292"/>
+            <a:off x="4406537" y="1840126"/>
             <a:ext cx="3884612" cy="3695700"/>
           </a:xfrm>
           <a:prstGeom prst="roundRect">
@@ -6843,88 +7281,6 @@
           </a:effectLst>
         </p:spPr>
       </p:pic>
-      <p:sp>
-        <p:nvSpPr>
-          <p:cNvPr id="7" name="TextBox 6"/>
-          <p:cNvSpPr txBox="1"/>
-          <p:nvPr/>
-        </p:nvSpPr>
-        <p:spPr>
-          <a:xfrm>
-            <a:off x="891658" y="2221981"/>
-            <a:ext cx="5199017" cy="3447098"/>
-          </a:xfrm>
-          <a:prstGeom prst="rect">
-            <a:avLst/>
-          </a:prstGeom>
-          <a:noFill/>
-        </p:spPr>
-        <p:txBody>
-          <a:bodyPr wrap="square" rtlCol="0">
-            <a:spAutoFit/>
-          </a:bodyPr>
-          <a:lstStyle/>
-          <a:p>
-            <a:pPr marL="285750" indent="-285750">
-              <a:buFont typeface="Arial" panose="020B0604020202020204" pitchFamily="34" charset="0"/>
-              <a:buChar char="•"/>
-            </a:pPr>
-            <a:r>
-              <a:rPr lang="en-US" sz="2000" dirty="0" smtClean="0"/>
-              <a:t>Our system compares every allele in every child with the alleles in both parents in the same </a:t>
-            </a:r>
-            <a:r>
-              <a:rPr lang="en-US" sz="2000" dirty="0" err="1" smtClean="0"/>
-              <a:t>rs</a:t>
-            </a:r>
-            <a:r>
-              <a:rPr lang="en-US" sz="2000" dirty="0" smtClean="0"/>
-              <a:t> number.</a:t>
-            </a:r>
-          </a:p>
-          <a:p>
-            <a:pPr marL="285750" indent="-285750">
-              <a:buFont typeface="Arial" panose="020B0604020202020204" pitchFamily="34" charset="0"/>
-              <a:buChar char="•"/>
-            </a:pPr>
-            <a:endParaRPr lang="en-US" sz="2000" dirty="0"/>
-          </a:p>
-          <a:p>
-            <a:pPr marL="285750" indent="-285750">
-              <a:buFont typeface="Arial" panose="020B0604020202020204" pitchFamily="34" charset="0"/>
-              <a:buChar char="•"/>
-            </a:pPr>
-            <a:r>
-              <a:rPr lang="en-US" sz="2000" dirty="0" smtClean="0"/>
-              <a:t>Our system can detect whether or not that’s there child or not.</a:t>
-            </a:r>
-          </a:p>
-          <a:p>
-            <a:pPr marL="285750" indent="-285750">
-              <a:buFont typeface="Arial" panose="020B0604020202020204" pitchFamily="34" charset="0"/>
-              <a:buChar char="•"/>
-            </a:pPr>
-            <a:endParaRPr lang="en-US" sz="2000" dirty="0"/>
-          </a:p>
-          <a:p>
-            <a:pPr marL="285750" indent="-285750">
-              <a:buFont typeface="Arial" panose="020B0604020202020204" pitchFamily="34" charset="0"/>
-              <a:buChar char="•"/>
-            </a:pPr>
-            <a:r>
-              <a:rPr lang="en-US" sz="2000" dirty="0" smtClean="0"/>
-              <a:t>We aim that the user can input their alleles and our app can tell them which gene belong to whom.</a:t>
-            </a:r>
-          </a:p>
-          <a:p>
-            <a:pPr marL="285750" indent="-285750">
-              <a:buFont typeface="Arial" panose="020B0604020202020204" pitchFamily="34" charset="0"/>
-              <a:buChar char="•"/>
-            </a:pPr>
-            <a:endParaRPr lang="en-US" dirty="0"/>
-          </a:p>
-        </p:txBody>
-      </p:sp>
     </p:spTree>
     <p:extLst>
       <p:ext uri="{BB962C8B-B14F-4D97-AF65-F5344CB8AC3E}">
@@ -7001,7 +7357,29 @@
           <a:bodyPr/>
           <a:lstStyle/>
           <a:p>
-            <a:endParaRPr lang="en-US"/>
+            <a:r>
+              <a:rPr lang="en-US" dirty="0" smtClean="0"/>
+              <a:t>The system can accept files from the user containing their genotypes.</a:t>
+            </a:r>
+          </a:p>
+          <a:p>
+            <a:r>
+              <a:rPr lang="en-US" dirty="0" smtClean="0"/>
+              <a:t>The system can save the user’s data (genotypes) (results)</a:t>
+            </a:r>
+          </a:p>
+          <a:p>
+            <a:r>
+              <a:rPr lang="en-US" dirty="0" smtClean="0"/>
+              <a:t>The user can input their genotypes and get a report showing which genotypes contribute to the paternity test.</a:t>
+            </a:r>
+          </a:p>
+          <a:p>
+            <a:r>
+              <a:rPr lang="en-US" dirty="0" smtClean="0"/>
+              <a:t>The user can see which alleles are different if it was proven wrong.</a:t>
+            </a:r>
+            <a:endParaRPr lang="en-US" dirty="0"/>
           </a:p>
         </p:txBody>
       </p:sp>
@@ -7081,7 +7459,77 @@
           <a:bodyPr/>
           <a:lstStyle/>
           <a:p>
-            <a:endParaRPr lang="en-US"/>
+            <a:r>
+              <a:rPr lang="en-US" dirty="0" smtClean="0"/>
+              <a:t>Check(child, parent)</a:t>
+            </a:r>
+          </a:p>
+          <a:p>
+            <a:r>
+              <a:rPr lang="en-US" dirty="0" err="1" smtClean="0"/>
+              <a:t>get</a:t>
+            </a:r>
+            <a:r>
+              <a:rPr lang="en-US" dirty="0" err="1" smtClean="0"/>
+              <a:t>Wrong</a:t>
+            </a:r>
+            <a:r>
+              <a:rPr lang="en-US" dirty="0" smtClean="0"/>
+              <a:t>()</a:t>
+            </a:r>
+          </a:p>
+          <a:p>
+            <a:r>
+              <a:rPr lang="en-US" dirty="0" err="1" smtClean="0"/>
+              <a:t>getResults</a:t>
+            </a:r>
+            <a:r>
+              <a:rPr lang="en-US" dirty="0" smtClean="0"/>
+              <a:t>()</a:t>
+            </a:r>
+          </a:p>
+          <a:p>
+            <a:r>
+              <a:rPr lang="en-US" dirty="0" err="1" smtClean="0"/>
+              <a:t>wholeGenome</a:t>
+            </a:r>
+            <a:r>
+              <a:rPr lang="en-US" dirty="0" smtClean="0"/>
+              <a:t>(file)</a:t>
+            </a:r>
+          </a:p>
+          <a:p>
+            <a:r>
+              <a:rPr lang="en-US" dirty="0" err="1" smtClean="0"/>
+              <a:t>wholeExome</a:t>
+            </a:r>
+            <a:r>
+              <a:rPr lang="en-US" dirty="0" smtClean="0"/>
+              <a:t>(file)</a:t>
+            </a:r>
+          </a:p>
+          <a:p>
+            <a:r>
+              <a:rPr lang="en-US" dirty="0" smtClean="0"/>
+              <a:t>rsNumbers(</a:t>
+            </a:r>
+            <a:r>
+              <a:rPr lang="en-US" dirty="0" err="1" smtClean="0"/>
+              <a:t>allelesData</a:t>
+            </a:r>
+            <a:r>
+              <a:rPr lang="en-US" dirty="0" smtClean="0"/>
+              <a:t>)</a:t>
+            </a:r>
+          </a:p>
+          <a:p>
+            <a:pPr marL="0" indent="0">
+              <a:buNone/>
+            </a:pPr>
+            <a:endParaRPr lang="en-US" dirty="0" smtClean="0"/>
+          </a:p>
+          <a:p>
+            <a:endParaRPr lang="en-US" dirty="0"/>
           </a:p>
         </p:txBody>
       </p:sp>
